--- a/3 am/بناء المشاريع 3/استخدام الأصوات 1/cours 14/عرض الدرس.pptx
+++ b/3 am/بناء المشاريع 3/استخدام الأصوات 1/cours 14/عرض الدرس.pptx
@@ -8,9 +8,10 @@
     <p:sldId id="263" r:id="rId2"/>
     <p:sldId id="271" r:id="rId3"/>
     <p:sldId id="264" r:id="rId4"/>
-    <p:sldId id="270" r:id="rId5"/>
-    <p:sldId id="260" r:id="rId6"/>
-    <p:sldId id="269" r:id="rId7"/>
+    <p:sldId id="273" r:id="rId5"/>
+    <p:sldId id="272" r:id="rId6"/>
+    <p:sldId id="260" r:id="rId7"/>
+    <p:sldId id="269" r:id="rId8"/>
   </p:sldIdLst>
   <p:sldSz cx="12192000" cy="6858000"/>
   <p:notesSz cx="6858000" cy="9144000"/>
@@ -248,7 +249,7 @@
           <a:p>
             <a:fld id="{33E46DBA-FA3B-4C5F-B700-4671668DAB72}" type="datetimeFigureOut">
               <a:rPr lang="fr-FR" smtClean="0"/>
-              <a:t>18/02/2025</a:t>
+              <a:t>19/04/2025</a:t>
             </a:fld>
             <a:endParaRPr lang="fr-FR"/>
           </a:p>
@@ -418,7 +419,7 @@
           <a:p>
             <a:fld id="{33E46DBA-FA3B-4C5F-B700-4671668DAB72}" type="datetimeFigureOut">
               <a:rPr lang="fr-FR" smtClean="0"/>
-              <a:t>18/02/2025</a:t>
+              <a:t>19/04/2025</a:t>
             </a:fld>
             <a:endParaRPr lang="fr-FR"/>
           </a:p>
@@ -598,7 +599,7 @@
           <a:p>
             <a:fld id="{33E46DBA-FA3B-4C5F-B700-4671668DAB72}" type="datetimeFigureOut">
               <a:rPr lang="fr-FR" smtClean="0"/>
-              <a:t>18/02/2025</a:t>
+              <a:t>19/04/2025</a:t>
             </a:fld>
             <a:endParaRPr lang="fr-FR"/>
           </a:p>
@@ -768,7 +769,7 @@
           <a:p>
             <a:fld id="{33E46DBA-FA3B-4C5F-B700-4671668DAB72}" type="datetimeFigureOut">
               <a:rPr lang="fr-FR" smtClean="0"/>
-              <a:t>18/02/2025</a:t>
+              <a:t>19/04/2025</a:t>
             </a:fld>
             <a:endParaRPr lang="fr-FR"/>
           </a:p>
@@ -1014,7 +1015,7 @@
           <a:p>
             <a:fld id="{33E46DBA-FA3B-4C5F-B700-4671668DAB72}" type="datetimeFigureOut">
               <a:rPr lang="fr-FR" smtClean="0"/>
-              <a:t>18/02/2025</a:t>
+              <a:t>19/04/2025</a:t>
             </a:fld>
             <a:endParaRPr lang="fr-FR"/>
           </a:p>
@@ -1246,7 +1247,7 @@
           <a:p>
             <a:fld id="{33E46DBA-FA3B-4C5F-B700-4671668DAB72}" type="datetimeFigureOut">
               <a:rPr lang="fr-FR" smtClean="0"/>
-              <a:t>18/02/2025</a:t>
+              <a:t>19/04/2025</a:t>
             </a:fld>
             <a:endParaRPr lang="fr-FR"/>
           </a:p>
@@ -1613,7 +1614,7 @@
           <a:p>
             <a:fld id="{33E46DBA-FA3B-4C5F-B700-4671668DAB72}" type="datetimeFigureOut">
               <a:rPr lang="fr-FR" smtClean="0"/>
-              <a:t>18/02/2025</a:t>
+              <a:t>19/04/2025</a:t>
             </a:fld>
             <a:endParaRPr lang="fr-FR"/>
           </a:p>
@@ -1731,7 +1732,7 @@
           <a:p>
             <a:fld id="{33E46DBA-FA3B-4C5F-B700-4671668DAB72}" type="datetimeFigureOut">
               <a:rPr lang="fr-FR" smtClean="0"/>
-              <a:t>18/02/2025</a:t>
+              <a:t>19/04/2025</a:t>
             </a:fld>
             <a:endParaRPr lang="fr-FR"/>
           </a:p>
@@ -1826,7 +1827,7 @@
           <a:p>
             <a:fld id="{33E46DBA-FA3B-4C5F-B700-4671668DAB72}" type="datetimeFigureOut">
               <a:rPr lang="fr-FR" smtClean="0"/>
-              <a:t>18/02/2025</a:t>
+              <a:t>19/04/2025</a:t>
             </a:fld>
             <a:endParaRPr lang="fr-FR"/>
           </a:p>
@@ -2103,7 +2104,7 @@
           <a:p>
             <a:fld id="{33E46DBA-FA3B-4C5F-B700-4671668DAB72}" type="datetimeFigureOut">
               <a:rPr lang="fr-FR" smtClean="0"/>
-              <a:t>18/02/2025</a:t>
+              <a:t>19/04/2025</a:t>
             </a:fld>
             <a:endParaRPr lang="fr-FR"/>
           </a:p>
@@ -2356,7 +2357,7 @@
           <a:p>
             <a:fld id="{33E46DBA-FA3B-4C5F-B700-4671668DAB72}" type="datetimeFigureOut">
               <a:rPr lang="fr-FR" smtClean="0"/>
-              <a:t>18/02/2025</a:t>
+              <a:t>19/04/2025</a:t>
             </a:fld>
             <a:endParaRPr lang="fr-FR"/>
           </a:p>
@@ -2569,7 +2570,7 @@
           <a:p>
             <a:fld id="{33E46DBA-FA3B-4C5F-B700-4671668DAB72}" type="datetimeFigureOut">
               <a:rPr lang="fr-FR" smtClean="0"/>
-              <a:t>18/02/2025</a:t>
+              <a:t>19/04/2025</a:t>
             </a:fld>
             <a:endParaRPr lang="fr-FR"/>
           </a:p>
@@ -3027,8 +3028,8 @@
         </p:nvSpPr>
         <p:spPr>
           <a:xfrm>
-            <a:off x="624114" y="1565753"/>
-            <a:ext cx="11567886" cy="2182317"/>
+            <a:off x="523906" y="1365336"/>
+            <a:ext cx="11567886" cy="1064713"/>
           </a:xfrm>
           <a:prstGeom prst="roundRect">
             <a:avLst/>
@@ -3061,32 +3062,26 @@
               <a:buChar char="ü"/>
             </a:pPr>
             <a:r>
-              <a:rPr lang="ar-DZ" sz="4000" dirty="0">
-                <a:cs typeface="+mj-cs"/>
-              </a:rPr>
-              <a:t>ما هي طريقة إدراج صوت و فيديو ؟</a:t>
-            </a:r>
-          </a:p>
-          <a:p>
-            <a:pPr marL="571500" indent="-571500" algn="r" rtl="1">
-              <a:buFont typeface="Wingdings" panose="05000000000000000000" pitchFamily="2" charset="2"/>
-              <a:buChar char="ü"/>
-            </a:pPr>
-            <a:r>
-              <a:rPr lang="ar-DZ" sz="4000" dirty="0" smtClean="0">
-                <a:cs typeface="+mj-cs"/>
-              </a:rPr>
-              <a:t>ما </a:t>
-            </a:r>
-            <a:r>
-              <a:rPr lang="ar-DZ" sz="4000" dirty="0">
-                <a:cs typeface="+mj-cs"/>
-              </a:rPr>
-              <a:t>هي المصادر التي يمكننا إضافة من خلالها صوت أو فيديو ؟</a:t>
-            </a:r>
-            <a:endParaRPr lang="fr-FR" sz="4000" dirty="0">
-              <a:cs typeface="+mj-cs"/>
-            </a:endParaRPr>
+              <a:rPr lang="ar-DZ" sz="4000" dirty="0" smtClean="0"/>
+              <a:t>كيف </a:t>
+            </a:r>
+            <a:r>
+              <a:rPr lang="ar-DZ" sz="4000" dirty="0"/>
+              <a:t>يمكن إضافة الأصوات في برنامج </a:t>
+            </a:r>
+            <a:r>
+              <a:rPr lang="ar-DZ" sz="4000" dirty="0" err="1"/>
+              <a:t>سكراتش</a:t>
+            </a:r>
+            <a:r>
+              <a:rPr lang="ar-DZ" sz="4000" dirty="0"/>
+              <a:t> </a:t>
+            </a:r>
+            <a:r>
+              <a:rPr lang="ar-DZ" sz="4000" dirty="0" smtClean="0"/>
+              <a:t>؟</a:t>
+            </a:r>
+            <a:endParaRPr lang="ar-DZ" sz="4000" dirty="0"/>
           </a:p>
         </p:txBody>
       </p:sp>
@@ -3199,8 +3194,8 @@
         </p:nvSpPr>
         <p:spPr>
           <a:xfrm>
-            <a:off x="316230" y="1478071"/>
-            <a:ext cx="11567886" cy="3071665"/>
+            <a:off x="316230" y="1290182"/>
+            <a:ext cx="11567886" cy="1816274"/>
           </a:xfrm>
           <a:prstGeom prst="roundRect">
             <a:avLst/>
@@ -3233,103 +3228,12 @@
               <a:buChar char="Ø"/>
             </a:pPr>
             <a:r>
-              <a:rPr lang="ar-DZ" sz="4000" dirty="0">
-                <a:cs typeface="+mj-cs"/>
-              </a:rPr>
-              <a:t>عرض </a:t>
-            </a:r>
-            <a:r>
-              <a:rPr lang="ar-DZ" sz="4000" dirty="0" smtClean="0">
-                <a:cs typeface="+mj-cs"/>
-              </a:rPr>
-              <a:t>ملف</a:t>
-            </a:r>
-            <a:r>
-              <a:rPr lang="fr-FR" sz="4000" dirty="0" smtClean="0">
-                <a:cs typeface="+mj-cs"/>
-              </a:rPr>
-              <a:t>PowerPoint </a:t>
-            </a:r>
-            <a:r>
-              <a:rPr lang="ar-DZ" sz="4000" dirty="0" smtClean="0">
-                <a:cs typeface="+mj-cs"/>
-              </a:rPr>
-              <a:t> يحتوي </a:t>
-            </a:r>
-            <a:r>
-              <a:rPr lang="ar-DZ" sz="4000" dirty="0">
-                <a:cs typeface="+mj-cs"/>
-              </a:rPr>
-              <a:t>على عدة شرائح مع تأثيرات انتقالية</a:t>
-            </a:r>
-          </a:p>
-          <a:p>
-            <a:pPr marL="685800" indent="-685800" algn="r" rtl="1">
-              <a:buFont typeface="Wingdings" panose="05000000000000000000" pitchFamily="2" charset="2"/>
-              <a:buChar char="Ø"/>
-            </a:pPr>
-            <a:r>
-              <a:rPr lang="ar-DZ" sz="4000" dirty="0" smtClean="0">
-                <a:cs typeface="+mj-cs"/>
-              </a:rPr>
-              <a:t>ما </a:t>
-            </a:r>
-            <a:r>
-              <a:rPr lang="ar-DZ" sz="4000" dirty="0">
-                <a:cs typeface="+mj-cs"/>
-              </a:rPr>
-              <a:t>الذي </a:t>
-            </a:r>
-            <a:r>
-              <a:rPr lang="ar-DZ" sz="4000" dirty="0" smtClean="0">
-                <a:cs typeface="+mj-cs"/>
-              </a:rPr>
-              <a:t>أثار انتباهك أثناء العرض ؟</a:t>
-            </a:r>
-            <a:endParaRPr lang="ar-DZ" sz="4000" dirty="0">
-              <a:cs typeface="+mj-cs"/>
-            </a:endParaRPr>
-          </a:p>
-          <a:p>
-            <a:pPr marL="685800" indent="-685800" algn="r" rtl="1">
-              <a:buFont typeface="Wingdings" panose="05000000000000000000" pitchFamily="2" charset="2"/>
-              <a:buChar char="Ø"/>
-            </a:pPr>
-            <a:r>
-              <a:rPr lang="ar-DZ" sz="4000" dirty="0" smtClean="0">
-                <a:cs typeface="+mj-cs"/>
-              </a:rPr>
-              <a:t>كيف </a:t>
-            </a:r>
-            <a:r>
-              <a:rPr lang="ar-DZ" sz="4000" dirty="0">
-                <a:cs typeface="+mj-cs"/>
-              </a:rPr>
-              <a:t>يمكننا </a:t>
-            </a:r>
-            <a:r>
-              <a:rPr lang="ar-DZ" sz="4000" dirty="0" err="1">
-                <a:cs typeface="+mj-cs"/>
-              </a:rPr>
-              <a:t>الإنتقال</a:t>
-            </a:r>
-            <a:r>
-              <a:rPr lang="ar-DZ" sz="4000" dirty="0">
-                <a:cs typeface="+mj-cs"/>
-              </a:rPr>
-              <a:t> من شريحة لأخرى بطريقة شيقة و جذابة و ملفتة </a:t>
-            </a:r>
-            <a:r>
-              <a:rPr lang="ar-DZ" sz="4000" dirty="0" err="1">
-                <a:cs typeface="+mj-cs"/>
-              </a:rPr>
-              <a:t>للإنتباه</a:t>
-            </a:r>
-            <a:r>
-              <a:rPr lang="ar-DZ" sz="4000" dirty="0">
-                <a:cs typeface="+mj-cs"/>
-              </a:rPr>
-              <a:t> ؟</a:t>
+              <a:rPr lang="ar-SA" sz="4000" dirty="0"/>
+              <a:t>نريد إنشاء مشروع يسمح بتشغيل أصوات عدة حيوانات، من أجل ذلك يجب أوّلا معرفة مختلف لبنات الصوت</a:t>
+            </a:r>
+            <a:r>
+              <a:rPr lang="fr-FR" sz="4000" dirty="0"/>
+              <a:t>.</a:t>
             </a:r>
             <a:endParaRPr lang="ar-DZ" sz="4000" dirty="0">
               <a:cs typeface="+mj-cs"/>
@@ -3379,6 +3283,1263 @@
       </p:grpSpPr>
       <p:sp>
         <p:nvSpPr>
+          <p:cNvPr id="5" name="Rectangle 9"/>
+          <p:cNvSpPr>
+            <a:spLocks noChangeArrowheads="1"/>
+          </p:cNvSpPr>
+          <p:nvPr/>
+        </p:nvSpPr>
+        <p:spPr bwMode="auto">
+          <a:xfrm>
+            <a:off x="320501" y="701244"/>
+            <a:ext cx="11699780" cy="6001643"/>
+          </a:xfrm>
+          <a:prstGeom prst="rect">
+            <a:avLst/>
+          </a:prstGeom>
+          <a:noFill/>
+          <a:ln>
+            <a:noFill/>
+          </a:ln>
+          <a:effectLst/>
+          <a:extLst>
+            <a:ext uri="{909E8E84-426E-40DD-AFC4-6F175D3DCCD1}">
+              <a14:hiddenFill xmlns:a14="http://schemas.microsoft.com/office/drawing/2010/main">
+                <a:solidFill>
+                  <a:schemeClr val="accent1"/>
+                </a:solidFill>
+              </a14:hiddenFill>
+            </a:ext>
+            <a:ext uri="{91240B29-F687-4F45-9708-019B960494DF}">
+              <a14:hiddenLine xmlns:a14="http://schemas.microsoft.com/office/drawing/2010/main" w="9525">
+                <a:solidFill>
+                  <a:schemeClr val="tx1"/>
+                </a:solidFill>
+                <a:miter lim="800000"/>
+                <a:headEnd/>
+                <a:tailEnd/>
+              </a14:hiddenLine>
+            </a:ext>
+            <a:ext uri="{AF507438-7753-43E0-B8FC-AC1667EBCBE1}">
+              <a14:hiddenEffects xmlns:a14="http://schemas.microsoft.com/office/drawing/2010/main">
+                <a:effectLst>
+                  <a:outerShdw dist="35921" dir="2700000" algn="ctr" rotWithShape="0">
+                    <a:schemeClr val="bg2"/>
+                  </a:outerShdw>
+                </a:effectLst>
+              </a14:hiddenEffects>
+            </a:ext>
+          </a:extLst>
+        </p:spPr>
+        <p:txBody>
+          <a:bodyPr vert="horz" wrap="square" lIns="91440" tIns="45720" rIns="91440" bIns="45720" numCol="1" anchor="ctr" anchorCtr="0" compatLnSpc="1">
+            <a:prstTxWarp prst="textNoShape">
+              <a:avLst/>
+            </a:prstTxWarp>
+            <a:spAutoFit/>
+          </a:bodyPr>
+          <a:lstStyle/>
+          <a:p>
+            <a:pPr marL="457200" indent="-457200" algn="r" rtl="1">
+              <a:buFont typeface="Wingdings" panose="05000000000000000000" pitchFamily="2" charset="2"/>
+              <a:buChar char="Ø"/>
+            </a:pPr>
+            <a:r>
+              <a:rPr lang="ar-DZ" sz="3200" dirty="0" smtClean="0">
+                <a:cs typeface="+mj-cs"/>
+              </a:rPr>
+              <a:t>أنشيء </a:t>
+            </a:r>
+            <a:r>
+              <a:rPr lang="ar-DZ" sz="3200" dirty="0">
+                <a:cs typeface="+mj-cs"/>
+              </a:rPr>
+              <a:t>المقطع البرمجي التالي لكائن القط </a:t>
+            </a:r>
+            <a:r>
+              <a:rPr lang="ar-DZ" sz="3200" dirty="0" smtClean="0">
+                <a:cs typeface="+mj-cs"/>
+              </a:rPr>
+              <a:t>:</a:t>
+            </a:r>
+            <a:endParaRPr lang="fr-FR" sz="3200" dirty="0" smtClean="0">
+              <a:cs typeface="+mj-cs"/>
+            </a:endParaRPr>
+          </a:p>
+          <a:p>
+            <a:pPr marL="457200" indent="-457200" algn="r" rtl="1">
+              <a:buFont typeface="Wingdings" panose="05000000000000000000" pitchFamily="2" charset="2"/>
+              <a:buChar char="Ø"/>
+            </a:pPr>
+            <a:endParaRPr lang="fr-FR" sz="3200" dirty="0">
+              <a:cs typeface="+mj-cs"/>
+            </a:endParaRPr>
+          </a:p>
+          <a:p>
+            <a:pPr marL="457200" indent="-457200" algn="r" rtl="1">
+              <a:buFont typeface="Wingdings" panose="05000000000000000000" pitchFamily="2" charset="2"/>
+              <a:buChar char="Ø"/>
+            </a:pPr>
+            <a:endParaRPr lang="fr-FR" sz="3200" dirty="0" smtClean="0">
+              <a:cs typeface="+mj-cs"/>
+            </a:endParaRPr>
+          </a:p>
+          <a:p>
+            <a:pPr algn="r" rtl="1"/>
+            <a:endParaRPr lang="ar-DZ" sz="3200" dirty="0">
+              <a:cs typeface="+mj-cs"/>
+            </a:endParaRPr>
+          </a:p>
+          <a:p>
+            <a:pPr marL="457200" indent="-457200" algn="r" rtl="1">
+              <a:buFont typeface="Wingdings" panose="05000000000000000000" pitchFamily="2" charset="2"/>
+              <a:buChar char="Ø"/>
+            </a:pPr>
+            <a:r>
+              <a:rPr lang="ar-DZ" sz="3200" dirty="0" smtClean="0">
+                <a:cs typeface="+mj-cs"/>
+              </a:rPr>
+              <a:t>ماذا </a:t>
+            </a:r>
+            <a:r>
+              <a:rPr lang="ar-DZ" sz="3200" dirty="0">
+                <a:cs typeface="+mj-cs"/>
+              </a:rPr>
+              <a:t>يحدث عند تشغيله ؟ </a:t>
+            </a:r>
+            <a:endParaRPr lang="fr-FR" sz="3200" dirty="0" smtClean="0">
+              <a:cs typeface="+mj-cs"/>
+            </a:endParaRPr>
+          </a:p>
+          <a:p>
+            <a:pPr marL="457200" indent="-457200" algn="r" rtl="1">
+              <a:buFont typeface="Wingdings" panose="05000000000000000000" pitchFamily="2" charset="2"/>
+              <a:buChar char="Ø"/>
+            </a:pPr>
+            <a:endParaRPr lang="ar-DZ" sz="3200" dirty="0">
+              <a:cs typeface="+mj-cs"/>
+            </a:endParaRPr>
+          </a:p>
+          <a:p>
+            <a:pPr marL="457200" indent="-457200" algn="r" rtl="1">
+              <a:buFont typeface="Wingdings" panose="05000000000000000000" pitchFamily="2" charset="2"/>
+              <a:buChar char="Ø"/>
+            </a:pPr>
+            <a:r>
+              <a:rPr lang="ar-DZ" sz="3200" dirty="0" smtClean="0">
+                <a:cs typeface="+mj-cs"/>
+              </a:rPr>
+              <a:t>استبدل لبنة</a:t>
+            </a:r>
+            <a:r>
+              <a:rPr lang="fr-FR" sz="3200" dirty="0" smtClean="0">
+                <a:cs typeface="+mj-cs"/>
+              </a:rPr>
+              <a:t>                                         </a:t>
+            </a:r>
+            <a:r>
+              <a:rPr lang="ar-DZ" sz="3200" dirty="0" smtClean="0">
+                <a:cs typeface="+mj-cs"/>
+              </a:rPr>
+              <a:t> بلبنة</a:t>
+            </a:r>
+            <a:endParaRPr lang="fr-FR" sz="3200" dirty="0" smtClean="0">
+              <a:cs typeface="+mj-cs"/>
+            </a:endParaRPr>
+          </a:p>
+          <a:p>
+            <a:pPr algn="r" rtl="1"/>
+            <a:r>
+              <a:rPr lang="ar-DZ" sz="3200" dirty="0" smtClean="0">
+                <a:cs typeface="+mj-cs"/>
+              </a:rPr>
+              <a:t> </a:t>
+            </a:r>
+            <a:endParaRPr lang="ar-DZ" sz="3200" dirty="0">
+              <a:cs typeface="+mj-cs"/>
+            </a:endParaRPr>
+          </a:p>
+          <a:p>
+            <a:pPr marL="457200" indent="-457200" algn="r" rtl="1">
+              <a:buFont typeface="Wingdings" panose="05000000000000000000" pitchFamily="2" charset="2"/>
+              <a:buChar char="Ø"/>
+            </a:pPr>
+            <a:r>
+              <a:rPr lang="ar-DZ" sz="3200" dirty="0" smtClean="0">
+                <a:cs typeface="+mj-cs"/>
+              </a:rPr>
+              <a:t>استنتج </a:t>
+            </a:r>
+            <a:r>
+              <a:rPr lang="ar-DZ" sz="3200" dirty="0">
+                <a:cs typeface="+mj-cs"/>
+              </a:rPr>
+              <a:t>الفرق بينهما </a:t>
+            </a:r>
+            <a:endParaRPr lang="fr-FR" sz="3200" dirty="0" smtClean="0">
+              <a:cs typeface="+mj-cs"/>
+            </a:endParaRPr>
+          </a:p>
+          <a:p>
+            <a:pPr algn="r" rtl="1"/>
+            <a:endParaRPr lang="ar-DZ" sz="3200" dirty="0">
+              <a:cs typeface="+mj-cs"/>
+            </a:endParaRPr>
+          </a:p>
+          <a:p>
+            <a:pPr marL="457200" indent="-457200" algn="r" rtl="1">
+              <a:buFont typeface="Wingdings" panose="05000000000000000000" pitchFamily="2" charset="2"/>
+              <a:buChar char="Ø"/>
+            </a:pPr>
+            <a:r>
+              <a:rPr lang="ar-DZ" sz="3200" dirty="0" smtClean="0">
+                <a:cs typeface="+mj-cs"/>
+              </a:rPr>
+              <a:t>وظف لبنة</a:t>
+            </a:r>
+            <a:r>
+              <a:rPr lang="fr-FR" sz="3200" dirty="0" smtClean="0">
+                <a:cs typeface="+mj-cs"/>
+              </a:rPr>
+              <a:t>                                </a:t>
+            </a:r>
+            <a:r>
+              <a:rPr lang="ar-DZ" sz="3200" dirty="0" smtClean="0">
+                <a:cs typeface="+mj-cs"/>
+              </a:rPr>
+              <a:t> </a:t>
+            </a:r>
+            <a:r>
+              <a:rPr lang="ar-DZ" sz="3200" dirty="0">
+                <a:cs typeface="+mj-cs"/>
+              </a:rPr>
+              <a:t>و استنتج دورها </a:t>
+            </a:r>
+            <a:endParaRPr lang="fr-FR" sz="3200" dirty="0" smtClean="0">
+              <a:cs typeface="+mj-cs"/>
+            </a:endParaRPr>
+          </a:p>
+          <a:p>
+            <a:pPr marL="457200" indent="-457200" algn="r" rtl="1">
+              <a:buFont typeface="Wingdings" panose="05000000000000000000" pitchFamily="2" charset="2"/>
+              <a:buChar char="Ø"/>
+            </a:pPr>
+            <a:endParaRPr lang="fr-FR" sz="3200" dirty="0">
+              <a:cs typeface="+mj-cs"/>
+            </a:endParaRPr>
+          </a:p>
+        </p:txBody>
+      </p:sp>
+      <p:sp>
+        <p:nvSpPr>
+          <p:cNvPr id="12" name="ZoneTexte 11">
+            <a:extLst>
+              <a:ext uri="{FF2B5EF4-FFF2-40B4-BE49-F238E27FC236}">
+                <a16:creationId xmlns:a16="http://schemas.microsoft.com/office/drawing/2014/main" xmlns="" id="{0B494AC6-9B2E-422F-B16A-015D6B0BA580}"/>
+              </a:ext>
+            </a:extLst>
+          </p:cNvPr>
+          <p:cNvSpPr txBox="1"/>
+          <p:nvPr/>
+        </p:nvSpPr>
+        <p:spPr>
+          <a:xfrm>
+            <a:off x="977900" y="45359"/>
+            <a:ext cx="11412983" cy="655885"/>
+          </a:xfrm>
+          <a:prstGeom prst="rect">
+            <a:avLst/>
+          </a:prstGeom>
+          <a:noFill/>
+        </p:spPr>
+        <p:txBody>
+          <a:bodyPr wrap="square">
+            <a:spAutoFit/>
+          </a:bodyPr>
+          <a:lstStyle/>
+          <a:p>
+            <a:pPr marL="457200" algn="r" rtl="1">
+              <a:lnSpc>
+                <a:spcPct val="107000"/>
+              </a:lnSpc>
+              <a:spcAft>
+                <a:spcPts val="800"/>
+              </a:spcAft>
+              <a:tabLst>
+                <a:tab pos="2376805" algn="l"/>
+              </a:tabLst>
+            </a:pPr>
+            <a:r>
+              <a:rPr lang="ar-DZ" sz="3600" b="1" u="sng" dirty="0" smtClean="0">
+                <a:solidFill>
+                  <a:srgbClr val="FF0000"/>
+                </a:solidFill>
+                <a:latin typeface="Calibri" panose="020F0502020204030204" pitchFamily="34" charset="0"/>
+                <a:ea typeface="Calibri" panose="020F0502020204030204" pitchFamily="34" charset="0"/>
+                <a:cs typeface="Times New Roman" panose="02020603050405020304" pitchFamily="18" charset="0"/>
+              </a:rPr>
+              <a:t>نشاط 01 :</a:t>
+            </a:r>
+            <a:endParaRPr lang="fr-FR" sz="2000" dirty="0">
+              <a:effectLst/>
+              <a:latin typeface="Calibri" panose="020F0502020204030204" pitchFamily="34" charset="0"/>
+              <a:ea typeface="Calibri" panose="020F0502020204030204" pitchFamily="34" charset="0"/>
+              <a:cs typeface="Arial" panose="020B0604020202020204" pitchFamily="34" charset="0"/>
+            </a:endParaRPr>
+          </a:p>
+        </p:txBody>
+      </p:sp>
+      <p:sp>
+        <p:nvSpPr>
+          <p:cNvPr id="13" name="Rectangle 9">
+            <a:extLst>
+              <a:ext uri="{FF2B5EF4-FFF2-40B4-BE49-F238E27FC236}">
+                <a16:creationId xmlns:a16="http://schemas.microsoft.com/office/drawing/2014/main" xmlns="" id="{894EDA96-9226-5939-95FB-4A21ACC79E4A}"/>
+              </a:ext>
+            </a:extLst>
+          </p:cNvPr>
+          <p:cNvSpPr>
+            <a:spLocks noChangeArrowheads="1"/>
+          </p:cNvSpPr>
+          <p:nvPr/>
+        </p:nvSpPr>
+        <p:spPr bwMode="auto">
+          <a:xfrm>
+            <a:off x="0" y="960273"/>
+            <a:ext cx="0" cy="0"/>
+          </a:xfrm>
+          <a:prstGeom prst="rect">
+            <a:avLst/>
+          </a:prstGeom>
+          <a:solidFill>
+            <a:schemeClr val="accent1"/>
+          </a:solidFill>
+          <a:ln w="9525">
+            <a:solidFill>
+              <a:schemeClr val="tx1"/>
+            </a:solidFill>
+            <a:miter lim="800000"/>
+            <a:headEnd/>
+            <a:tailEnd/>
+          </a:ln>
+          <a:effectLst/>
+          <a:extLst>
+            <a:ext uri="{AF507438-7753-43E0-B8FC-AC1667EBCBE1}">
+              <a14:hiddenEffects xmlns:a14="http://schemas.microsoft.com/office/drawing/2010/main">
+                <a:effectLst>
+                  <a:outerShdw dist="35921" dir="2700000" algn="ctr" rotWithShape="0">
+                    <a:schemeClr val="bg2"/>
+                  </a:outerShdw>
+                </a:effectLst>
+              </a14:hiddenEffects>
+            </a:ext>
+          </a:extLst>
+        </p:spPr>
+        <p:txBody>
+          <a:bodyPr vert="horz" wrap="square" lIns="91440" tIns="45720" rIns="91440" bIns="45720" numCol="1" anchor="t" anchorCtr="0" compatLnSpc="1">
+            <a:prstTxWarp prst="textNoShape">
+              <a:avLst/>
+            </a:prstTxWarp>
+          </a:bodyPr>
+          <a:lstStyle/>
+          <a:p>
+            <a:endParaRPr lang="fr-FR"/>
+          </a:p>
+        </p:txBody>
+      </p:sp>
+      <p:pic>
+        <p:nvPicPr>
+          <p:cNvPr id="2056" name="Image 14"/>
+          <p:cNvPicPr>
+            <a:picLocks noChangeAspect="1" noChangeArrowheads="1"/>
+          </p:cNvPicPr>
+          <p:nvPr/>
+        </p:nvPicPr>
+        <p:blipFill>
+          <a:blip r:embed="rId2">
+            <a:extLst>
+              <a:ext uri="{28A0092B-C50C-407E-A947-70E740481C1C}">
+                <a14:useLocalDpi xmlns:a14="http://schemas.microsoft.com/office/drawing/2010/main" val="0"/>
+              </a:ext>
+            </a:extLst>
+          </a:blip>
+          <a:srcRect/>
+          <a:stretch>
+            <a:fillRect/>
+          </a:stretch>
+        </p:blipFill>
+        <p:spPr bwMode="auto">
+          <a:xfrm>
+            <a:off x="1962150" y="300863"/>
+            <a:ext cx="3775071" cy="3013837"/>
+          </a:xfrm>
+          <a:prstGeom prst="rect">
+            <a:avLst/>
+          </a:prstGeom>
+          <a:noFill/>
+          <a:extLst>
+            <a:ext uri="{909E8E84-426E-40DD-AFC4-6F175D3DCCD1}">
+              <a14:hiddenFill xmlns:a14="http://schemas.microsoft.com/office/drawing/2010/main">
+                <a:solidFill>
+                  <a:srgbClr val="FFFFFF"/>
+                </a:solidFill>
+              </a14:hiddenFill>
+            </a:ext>
+          </a:extLst>
+        </p:spPr>
+      </p:pic>
+      <p:pic>
+        <p:nvPicPr>
+          <p:cNvPr id="2055" name="Image 15"/>
+          <p:cNvPicPr>
+            <a:picLocks noChangeAspect="1" noChangeArrowheads="1"/>
+          </p:cNvPicPr>
+          <p:nvPr/>
+        </p:nvPicPr>
+        <p:blipFill>
+          <a:blip r:embed="rId3">
+            <a:extLst>
+              <a:ext uri="{28A0092B-C50C-407E-A947-70E740481C1C}">
+                <a14:useLocalDpi xmlns:a14="http://schemas.microsoft.com/office/drawing/2010/main" val="0"/>
+              </a:ext>
+            </a:extLst>
+          </a:blip>
+          <a:srcRect/>
+          <a:stretch>
+            <a:fillRect/>
+          </a:stretch>
+        </p:blipFill>
+        <p:spPr bwMode="auto">
+          <a:xfrm>
+            <a:off x="6390365" y="3530112"/>
+            <a:ext cx="3565087" cy="1060937"/>
+          </a:xfrm>
+          <a:prstGeom prst="rect">
+            <a:avLst/>
+          </a:prstGeom>
+          <a:noFill/>
+          <a:extLst>
+            <a:ext uri="{909E8E84-426E-40DD-AFC4-6F175D3DCCD1}">
+              <a14:hiddenFill xmlns:a14="http://schemas.microsoft.com/office/drawing/2010/main">
+                <a:solidFill>
+                  <a:srgbClr val="FFFFFF"/>
+                </a:solidFill>
+              </a14:hiddenFill>
+            </a:ext>
+          </a:extLst>
+        </p:spPr>
+      </p:pic>
+      <p:pic>
+        <p:nvPicPr>
+          <p:cNvPr id="2054" name="Image 27"/>
+          <p:cNvPicPr>
+            <a:picLocks noChangeAspect="1" noChangeArrowheads="1"/>
+          </p:cNvPicPr>
+          <p:nvPr/>
+        </p:nvPicPr>
+        <p:blipFill>
+          <a:blip r:embed="rId4">
+            <a:extLst>
+              <a:ext uri="{28A0092B-C50C-407E-A947-70E740481C1C}">
+                <a14:useLocalDpi xmlns:a14="http://schemas.microsoft.com/office/drawing/2010/main" val="0"/>
+              </a:ext>
+            </a:extLst>
+          </a:blip>
+          <a:srcRect/>
+          <a:stretch>
+            <a:fillRect/>
+          </a:stretch>
+        </p:blipFill>
+        <p:spPr bwMode="auto">
+          <a:xfrm>
+            <a:off x="1638300" y="3487959"/>
+            <a:ext cx="3782217" cy="1103089"/>
+          </a:xfrm>
+          <a:prstGeom prst="rect">
+            <a:avLst/>
+          </a:prstGeom>
+          <a:noFill/>
+          <a:extLst>
+            <a:ext uri="{909E8E84-426E-40DD-AFC4-6F175D3DCCD1}">
+              <a14:hiddenFill xmlns:a14="http://schemas.microsoft.com/office/drawing/2010/main">
+                <a:solidFill>
+                  <a:srgbClr val="FFFFFF"/>
+                </a:solidFill>
+              </a14:hiddenFill>
+            </a:ext>
+          </a:extLst>
+        </p:spPr>
+      </p:pic>
+      <p:pic>
+        <p:nvPicPr>
+          <p:cNvPr id="2053" name="Image 29"/>
+          <p:cNvPicPr>
+            <a:picLocks noChangeAspect="1" noChangeArrowheads="1"/>
+          </p:cNvPicPr>
+          <p:nvPr/>
+        </p:nvPicPr>
+        <p:blipFill>
+          <a:blip r:embed="rId5">
+            <a:extLst>
+              <a:ext uri="{28A0092B-C50C-407E-A947-70E740481C1C}">
+                <a14:useLocalDpi xmlns:a14="http://schemas.microsoft.com/office/drawing/2010/main" val="0"/>
+              </a:ext>
+            </a:extLst>
+          </a:blip>
+          <a:srcRect/>
+          <a:stretch>
+            <a:fillRect/>
+          </a:stretch>
+        </p:blipFill>
+        <p:spPr bwMode="auto">
+          <a:xfrm>
+            <a:off x="7543801" y="5439047"/>
+            <a:ext cx="2411652" cy="1008450"/>
+          </a:xfrm>
+          <a:prstGeom prst="rect">
+            <a:avLst/>
+          </a:prstGeom>
+          <a:noFill/>
+          <a:extLst>
+            <a:ext uri="{909E8E84-426E-40DD-AFC4-6F175D3DCCD1}">
+              <a14:hiddenFill xmlns:a14="http://schemas.microsoft.com/office/drawing/2010/main">
+                <a:solidFill>
+                  <a:srgbClr val="FFFFFF"/>
+                </a:solidFill>
+              </a14:hiddenFill>
+            </a:ext>
+          </a:extLst>
+        </p:spPr>
+      </p:pic>
+      <p:sp>
+        <p:nvSpPr>
+          <p:cNvPr id="29" name="Rectangle 14"/>
+          <p:cNvSpPr>
+            <a:spLocks noChangeArrowheads="1"/>
+          </p:cNvSpPr>
+          <p:nvPr/>
+        </p:nvSpPr>
+        <p:spPr bwMode="auto">
+          <a:xfrm>
+            <a:off x="457200" y="1849677"/>
+            <a:ext cx="12192000" cy="0"/>
+          </a:xfrm>
+          <a:prstGeom prst="rect">
+            <a:avLst/>
+          </a:prstGeom>
+          <a:noFill/>
+          <a:ln>
+            <a:noFill/>
+          </a:ln>
+          <a:effectLst/>
+          <a:extLst>
+            <a:ext uri="{909E8E84-426E-40DD-AFC4-6F175D3DCCD1}">
+              <a14:hiddenFill xmlns:a14="http://schemas.microsoft.com/office/drawing/2010/main">
+                <a:solidFill>
+                  <a:schemeClr val="accent1"/>
+                </a:solidFill>
+              </a14:hiddenFill>
+            </a:ext>
+            <a:ext uri="{91240B29-F687-4F45-9708-019B960494DF}">
+              <a14:hiddenLine xmlns:a14="http://schemas.microsoft.com/office/drawing/2010/main" w="9525">
+                <a:solidFill>
+                  <a:schemeClr val="tx1"/>
+                </a:solidFill>
+                <a:miter lim="800000"/>
+                <a:headEnd/>
+                <a:tailEnd/>
+              </a14:hiddenLine>
+            </a:ext>
+            <a:ext uri="{AF507438-7753-43E0-B8FC-AC1667EBCBE1}">
+              <a14:hiddenEffects xmlns:a14="http://schemas.microsoft.com/office/drawing/2010/main">
+                <a:effectLst>
+                  <a:outerShdw dist="35921" dir="2700000" algn="ctr" rotWithShape="0">
+                    <a:schemeClr val="bg2"/>
+                  </a:outerShdw>
+                </a:effectLst>
+              </a14:hiddenEffects>
+            </a:ext>
+          </a:extLst>
+        </p:spPr>
+        <p:txBody>
+          <a:bodyPr vert="horz" wrap="none" lIns="91440" tIns="45720" rIns="91440" bIns="45720" numCol="1" anchor="ctr" anchorCtr="0" compatLnSpc="1">
+            <a:prstTxWarp prst="textNoShape">
+              <a:avLst/>
+            </a:prstTxWarp>
+            <a:spAutoFit/>
+          </a:bodyPr>
+          <a:lstStyle/>
+          <a:p>
+            <a:endParaRPr lang="fr-FR"/>
+          </a:p>
+        </p:txBody>
+      </p:sp>
+    </p:spTree>
+    <p:extLst>
+      <p:ext uri="{BB962C8B-B14F-4D97-AF65-F5344CB8AC3E}">
+        <p14:creationId xmlns:p14="http://schemas.microsoft.com/office/powerpoint/2010/main" val="1572946791"/>
+      </p:ext>
+    </p:extLst>
+  </p:cSld>
+  <p:clrMapOvr>
+    <a:masterClrMapping/>
+  </p:clrMapOvr>
+  <p:transition spd="slow">
+    <p:push dir="u"/>
+  </p:transition>
+  <p:timing>
+    <p:tnLst>
+      <p:par>
+        <p:cTn id="1" dur="indefinite" restart="never" nodeType="tmRoot"/>
+      </p:par>
+    </p:tnLst>
+  </p:timing>
+</p:sld>
+</file>
+
+<file path=ppt/slides/slide4.xml><?xml version="1.0" encoding="utf-8"?>
+<p:sld xmlns:a="http://schemas.openxmlformats.org/drawingml/2006/main" xmlns:r="http://schemas.openxmlformats.org/officeDocument/2006/relationships" xmlns:p="http://schemas.openxmlformats.org/presentationml/2006/main">
+  <p:cSld>
+    <p:spTree>
+      <p:nvGrpSpPr>
+        <p:cNvPr id="1" name=""/>
+        <p:cNvGrpSpPr/>
+        <p:nvPr/>
+      </p:nvGrpSpPr>
+      <p:grpSpPr>
+        <a:xfrm>
+          <a:off x="0" y="0"/>
+          <a:ext cx="0" cy="0"/>
+          <a:chOff x="0" y="0"/>
+          <a:chExt cx="0" cy="0"/>
+        </a:xfrm>
+      </p:grpSpPr>
+      <p:sp>
+        <p:nvSpPr>
+          <p:cNvPr id="5" name="Rectangle 9"/>
+          <p:cNvSpPr>
+            <a:spLocks noChangeArrowheads="1"/>
+          </p:cNvSpPr>
+          <p:nvPr/>
+        </p:nvSpPr>
+        <p:spPr bwMode="auto">
+          <a:xfrm>
+            <a:off x="457200" y="753742"/>
+            <a:ext cx="11488990" cy="6001643"/>
+          </a:xfrm>
+          <a:prstGeom prst="rect">
+            <a:avLst/>
+          </a:prstGeom>
+          <a:noFill/>
+          <a:ln>
+            <a:noFill/>
+          </a:ln>
+          <a:effectLst/>
+          <a:extLst>
+            <a:ext uri="{909E8E84-426E-40DD-AFC4-6F175D3DCCD1}">
+              <a14:hiddenFill xmlns:a14="http://schemas.microsoft.com/office/drawing/2010/main">
+                <a:solidFill>
+                  <a:schemeClr val="accent1"/>
+                </a:solidFill>
+              </a14:hiddenFill>
+            </a:ext>
+            <a:ext uri="{91240B29-F687-4F45-9708-019B960494DF}">
+              <a14:hiddenLine xmlns:a14="http://schemas.microsoft.com/office/drawing/2010/main" w="9525">
+                <a:solidFill>
+                  <a:schemeClr val="tx1"/>
+                </a:solidFill>
+                <a:miter lim="800000"/>
+                <a:headEnd/>
+                <a:tailEnd/>
+              </a14:hiddenLine>
+            </a:ext>
+            <a:ext uri="{AF507438-7753-43E0-B8FC-AC1667EBCBE1}">
+              <a14:hiddenEffects xmlns:a14="http://schemas.microsoft.com/office/drawing/2010/main">
+                <a:effectLst>
+                  <a:outerShdw dist="35921" dir="2700000" algn="ctr" rotWithShape="0">
+                    <a:schemeClr val="bg2"/>
+                  </a:outerShdw>
+                </a:effectLst>
+              </a14:hiddenEffects>
+            </a:ext>
+          </a:extLst>
+        </p:spPr>
+        <p:txBody>
+          <a:bodyPr vert="horz" wrap="square" lIns="91440" tIns="45720" rIns="91440" bIns="45720" numCol="1" anchor="ctr" anchorCtr="0" compatLnSpc="1">
+            <a:prstTxWarp prst="textNoShape">
+              <a:avLst/>
+            </a:prstTxWarp>
+            <a:spAutoFit/>
+          </a:bodyPr>
+          <a:lstStyle/>
+          <a:p>
+            <a:pPr marL="457200" indent="-457200" algn="r" rtl="1">
+              <a:buFont typeface="Wingdings" panose="05000000000000000000" pitchFamily="2" charset="2"/>
+              <a:buChar char="Ø"/>
+            </a:pPr>
+            <a:r>
+              <a:rPr lang="ar-DZ" sz="3200" dirty="0" smtClean="0">
+                <a:cs typeface="+mj-cs"/>
+              </a:rPr>
+              <a:t>أستنتج </a:t>
+            </a:r>
+            <a:r>
+              <a:rPr lang="ar-DZ" sz="3200" dirty="0">
+                <a:cs typeface="+mj-cs"/>
+              </a:rPr>
+              <a:t>دور </a:t>
+            </a:r>
+            <a:r>
+              <a:rPr lang="ar-DZ" sz="3200" dirty="0" smtClean="0">
+                <a:cs typeface="+mj-cs"/>
+              </a:rPr>
+              <a:t>لبنة</a:t>
+            </a:r>
+            <a:r>
+              <a:rPr lang="fr-FR" sz="3200" dirty="0" smtClean="0">
+                <a:cs typeface="+mj-cs"/>
+              </a:rPr>
+              <a:t>                        </a:t>
+            </a:r>
+            <a:r>
+              <a:rPr lang="ar-DZ" sz="3200" dirty="0" smtClean="0">
+                <a:cs typeface="+mj-cs"/>
+              </a:rPr>
+              <a:t> </a:t>
+            </a:r>
+          </a:p>
+          <a:p>
+            <a:pPr marL="457200" indent="-457200" algn="r" rtl="1">
+              <a:buFont typeface="Wingdings" panose="05000000000000000000" pitchFamily="2" charset="2"/>
+              <a:buChar char="Ø"/>
+            </a:pPr>
+            <a:endParaRPr lang="ar-DZ" sz="3200" dirty="0">
+              <a:cs typeface="+mj-cs"/>
+            </a:endParaRPr>
+          </a:p>
+          <a:p>
+            <a:pPr algn="r" rtl="1"/>
+            <a:endParaRPr lang="ar-DZ" sz="3200" dirty="0">
+              <a:cs typeface="+mj-cs"/>
+            </a:endParaRPr>
+          </a:p>
+          <a:p>
+            <a:pPr algn="r" rtl="1"/>
+            <a:r>
+              <a:rPr lang="ar-DZ" sz="3200" dirty="0" smtClean="0">
+                <a:cs typeface="+mj-cs"/>
+              </a:rPr>
+              <a:t>مستعينا </a:t>
+            </a:r>
+            <a:r>
+              <a:rPr lang="ar-DZ" sz="3200" dirty="0">
+                <a:cs typeface="+mj-cs"/>
+              </a:rPr>
+              <a:t>بالمقطع البرمجي التالي : </a:t>
+            </a:r>
+            <a:endParaRPr lang="fr-FR" sz="3200" dirty="0" smtClean="0">
+              <a:cs typeface="+mj-cs"/>
+            </a:endParaRPr>
+          </a:p>
+          <a:p>
+            <a:pPr marL="457200" indent="-457200" algn="r" rtl="1">
+              <a:buFont typeface="Wingdings" panose="05000000000000000000" pitchFamily="2" charset="2"/>
+              <a:buChar char="Ø"/>
+            </a:pPr>
+            <a:endParaRPr lang="fr-FR" sz="3200" dirty="0">
+              <a:cs typeface="+mj-cs"/>
+            </a:endParaRPr>
+          </a:p>
+          <a:p>
+            <a:pPr marL="457200" indent="-457200" algn="r" rtl="1">
+              <a:buFont typeface="Wingdings" panose="05000000000000000000" pitchFamily="2" charset="2"/>
+              <a:buChar char="Ø"/>
+            </a:pPr>
+            <a:endParaRPr lang="fr-FR" sz="3200" dirty="0" smtClean="0">
+              <a:cs typeface="+mj-cs"/>
+            </a:endParaRPr>
+          </a:p>
+          <a:p>
+            <a:pPr marL="457200" indent="-457200" algn="r" rtl="1">
+              <a:buFont typeface="Wingdings" panose="05000000000000000000" pitchFamily="2" charset="2"/>
+              <a:buChar char="Ø"/>
+            </a:pPr>
+            <a:endParaRPr lang="fr-FR" sz="3200" dirty="0">
+              <a:cs typeface="+mj-cs"/>
+            </a:endParaRPr>
+          </a:p>
+          <a:p>
+            <a:pPr marL="457200" indent="-457200" algn="r" rtl="1">
+              <a:buFont typeface="Wingdings" panose="05000000000000000000" pitchFamily="2" charset="2"/>
+              <a:buChar char="Ø"/>
+            </a:pPr>
+            <a:endParaRPr lang="fr-FR" sz="3200" dirty="0" smtClean="0">
+              <a:cs typeface="+mj-cs"/>
+            </a:endParaRPr>
+          </a:p>
+          <a:p>
+            <a:pPr marL="457200" indent="-457200" algn="r" rtl="1">
+              <a:buFont typeface="Wingdings" panose="05000000000000000000" pitchFamily="2" charset="2"/>
+              <a:buChar char="Ø"/>
+            </a:pPr>
+            <a:r>
+              <a:rPr lang="ar-DZ" sz="3200" dirty="0" smtClean="0">
+                <a:cs typeface="+mj-cs"/>
+              </a:rPr>
+              <a:t>استبدل لبنة</a:t>
+            </a:r>
+            <a:r>
+              <a:rPr lang="fr-FR" sz="3200" dirty="0" smtClean="0">
+                <a:cs typeface="+mj-cs"/>
+              </a:rPr>
+              <a:t>                                           </a:t>
+            </a:r>
+            <a:r>
+              <a:rPr lang="ar-DZ" sz="3200" dirty="0" smtClean="0">
+                <a:cs typeface="+mj-cs"/>
+              </a:rPr>
+              <a:t> </a:t>
+            </a:r>
+            <a:r>
+              <a:rPr lang="ar-DZ" sz="3200" dirty="0">
+                <a:cs typeface="+mj-cs"/>
+              </a:rPr>
+              <a:t>بلبنة </a:t>
+            </a:r>
+          </a:p>
+          <a:p>
+            <a:pPr marL="457200" indent="-457200" algn="r" rtl="1">
+              <a:buFont typeface="Wingdings" panose="05000000000000000000" pitchFamily="2" charset="2"/>
+              <a:buChar char="Ø"/>
+            </a:pPr>
+            <a:endParaRPr lang="fr-FR" sz="3200" dirty="0" smtClean="0">
+              <a:cs typeface="+mj-cs"/>
+            </a:endParaRPr>
+          </a:p>
+          <a:p>
+            <a:pPr marL="457200" indent="-457200" algn="r" rtl="1">
+              <a:buFont typeface="Wingdings" panose="05000000000000000000" pitchFamily="2" charset="2"/>
+              <a:buChar char="Ø"/>
+            </a:pPr>
+            <a:r>
+              <a:rPr lang="ar-DZ" sz="3200" dirty="0" smtClean="0">
+                <a:cs typeface="+mj-cs"/>
+              </a:rPr>
+              <a:t>استنتج </a:t>
+            </a:r>
+            <a:r>
+              <a:rPr lang="ar-DZ" sz="3200" dirty="0">
+                <a:cs typeface="+mj-cs"/>
+              </a:rPr>
+              <a:t>الفرق بينهما </a:t>
+            </a:r>
+          </a:p>
+          <a:p>
+            <a:pPr marL="457200" indent="-457200" algn="r" rtl="1">
+              <a:buFont typeface="Wingdings" panose="05000000000000000000" pitchFamily="2" charset="2"/>
+              <a:buChar char="Ø"/>
+            </a:pPr>
+            <a:r>
+              <a:rPr lang="ar-DZ" sz="3200" dirty="0" smtClean="0">
+                <a:cs typeface="+mj-cs"/>
+              </a:rPr>
+              <a:t>اعتمادا </a:t>
+            </a:r>
+            <a:r>
+              <a:rPr lang="ar-DZ" sz="3200" dirty="0">
+                <a:cs typeface="+mj-cs"/>
+              </a:rPr>
+              <a:t>علي نفس الطريقة وظف و استنتج دور باقي لبنات الصوت </a:t>
+            </a:r>
+          </a:p>
+        </p:txBody>
+      </p:sp>
+      <p:sp>
+        <p:nvSpPr>
+          <p:cNvPr id="12" name="ZoneTexte 11">
+            <a:extLst>
+              <a:ext uri="{FF2B5EF4-FFF2-40B4-BE49-F238E27FC236}">
+                <a16:creationId xmlns:a16="http://schemas.microsoft.com/office/drawing/2014/main" xmlns="" id="{0B494AC6-9B2E-422F-B16A-015D6B0BA580}"/>
+              </a:ext>
+            </a:extLst>
+          </p:cNvPr>
+          <p:cNvSpPr txBox="1"/>
+          <p:nvPr/>
+        </p:nvSpPr>
+        <p:spPr>
+          <a:xfrm>
+            <a:off x="977900" y="97857"/>
+            <a:ext cx="11412983" cy="655885"/>
+          </a:xfrm>
+          <a:prstGeom prst="rect">
+            <a:avLst/>
+          </a:prstGeom>
+          <a:noFill/>
+        </p:spPr>
+        <p:txBody>
+          <a:bodyPr wrap="square">
+            <a:spAutoFit/>
+          </a:bodyPr>
+          <a:lstStyle/>
+          <a:p>
+            <a:pPr marL="457200" algn="r" rtl="1">
+              <a:lnSpc>
+                <a:spcPct val="107000"/>
+              </a:lnSpc>
+              <a:spcAft>
+                <a:spcPts val="800"/>
+              </a:spcAft>
+              <a:tabLst>
+                <a:tab pos="2376805" algn="l"/>
+              </a:tabLst>
+            </a:pPr>
+            <a:r>
+              <a:rPr lang="ar-DZ" sz="3600" b="1" u="sng" dirty="0" smtClean="0">
+                <a:solidFill>
+                  <a:srgbClr val="FF0000"/>
+                </a:solidFill>
+                <a:latin typeface="Calibri" panose="020F0502020204030204" pitchFamily="34" charset="0"/>
+                <a:ea typeface="Calibri" panose="020F0502020204030204" pitchFamily="34" charset="0"/>
+                <a:cs typeface="Times New Roman" panose="02020603050405020304" pitchFamily="18" charset="0"/>
+              </a:rPr>
+              <a:t>نشاط 01 :</a:t>
+            </a:r>
+            <a:endParaRPr lang="fr-FR" sz="2000" dirty="0">
+              <a:effectLst/>
+              <a:latin typeface="Calibri" panose="020F0502020204030204" pitchFamily="34" charset="0"/>
+              <a:ea typeface="Calibri" panose="020F0502020204030204" pitchFamily="34" charset="0"/>
+              <a:cs typeface="Arial" panose="020B0604020202020204" pitchFamily="34" charset="0"/>
+            </a:endParaRPr>
+          </a:p>
+        </p:txBody>
+      </p:sp>
+      <p:sp>
+        <p:nvSpPr>
+          <p:cNvPr id="13" name="Rectangle 9">
+            <a:extLst>
+              <a:ext uri="{FF2B5EF4-FFF2-40B4-BE49-F238E27FC236}">
+                <a16:creationId xmlns:a16="http://schemas.microsoft.com/office/drawing/2014/main" xmlns="" id="{894EDA96-9226-5939-95FB-4A21ACC79E4A}"/>
+              </a:ext>
+            </a:extLst>
+          </p:cNvPr>
+          <p:cNvSpPr>
+            <a:spLocks noChangeArrowheads="1"/>
+          </p:cNvSpPr>
+          <p:nvPr/>
+        </p:nvSpPr>
+        <p:spPr bwMode="auto">
+          <a:xfrm>
+            <a:off x="0" y="960273"/>
+            <a:ext cx="0" cy="0"/>
+          </a:xfrm>
+          <a:prstGeom prst="rect">
+            <a:avLst/>
+          </a:prstGeom>
+          <a:solidFill>
+            <a:schemeClr val="accent1"/>
+          </a:solidFill>
+          <a:ln w="9525">
+            <a:solidFill>
+              <a:schemeClr val="tx1"/>
+            </a:solidFill>
+            <a:miter lim="800000"/>
+            <a:headEnd/>
+            <a:tailEnd/>
+          </a:ln>
+          <a:effectLst/>
+          <a:extLst>
+            <a:ext uri="{AF507438-7753-43E0-B8FC-AC1667EBCBE1}">
+              <a14:hiddenEffects xmlns:a14="http://schemas.microsoft.com/office/drawing/2010/main">
+                <a:effectLst>
+                  <a:outerShdw dist="35921" dir="2700000" algn="ctr" rotWithShape="0">
+                    <a:schemeClr val="bg2"/>
+                  </a:outerShdw>
+                </a:effectLst>
+              </a14:hiddenEffects>
+            </a:ext>
+          </a:extLst>
+        </p:spPr>
+        <p:txBody>
+          <a:bodyPr vert="horz" wrap="square" lIns="91440" tIns="45720" rIns="91440" bIns="45720" numCol="1" anchor="t" anchorCtr="0" compatLnSpc="1">
+            <a:prstTxWarp prst="textNoShape">
+              <a:avLst/>
+            </a:prstTxWarp>
+          </a:bodyPr>
+          <a:lstStyle/>
+          <a:p>
+            <a:endParaRPr lang="fr-FR"/>
+          </a:p>
+        </p:txBody>
+      </p:sp>
+      <p:pic>
+        <p:nvPicPr>
+          <p:cNvPr id="2052" name="Image 30"/>
+          <p:cNvPicPr>
+            <a:picLocks noChangeAspect="1" noChangeArrowheads="1"/>
+          </p:cNvPicPr>
+          <p:nvPr/>
+        </p:nvPicPr>
+        <p:blipFill>
+          <a:blip r:embed="rId2">
+            <a:extLst>
+              <a:ext uri="{28A0092B-C50C-407E-A947-70E740481C1C}">
+                <a14:useLocalDpi xmlns:a14="http://schemas.microsoft.com/office/drawing/2010/main" val="0"/>
+              </a:ext>
+            </a:extLst>
+          </a:blip>
+          <a:srcRect/>
+          <a:stretch>
+            <a:fillRect/>
+          </a:stretch>
+        </p:blipFill>
+        <p:spPr bwMode="auto">
+          <a:xfrm>
+            <a:off x="5326743" y="613671"/>
+            <a:ext cx="3867379" cy="1021411"/>
+          </a:xfrm>
+          <a:prstGeom prst="rect">
+            <a:avLst/>
+          </a:prstGeom>
+          <a:noFill/>
+          <a:extLst>
+            <a:ext uri="{909E8E84-426E-40DD-AFC4-6F175D3DCCD1}">
+              <a14:hiddenFill xmlns:a14="http://schemas.microsoft.com/office/drawing/2010/main">
+                <a:solidFill>
+                  <a:srgbClr val="FFFFFF"/>
+                </a:solidFill>
+              </a14:hiddenFill>
+            </a:ext>
+          </a:extLst>
+        </p:spPr>
+      </p:pic>
+      <p:pic>
+        <p:nvPicPr>
+          <p:cNvPr id="2051" name="Image 31"/>
+          <p:cNvPicPr>
+            <a:picLocks noChangeAspect="1" noChangeArrowheads="1"/>
+          </p:cNvPicPr>
+          <p:nvPr/>
+        </p:nvPicPr>
+        <p:blipFill>
+          <a:blip r:embed="rId3">
+            <a:extLst>
+              <a:ext uri="{28A0092B-C50C-407E-A947-70E740481C1C}">
+                <a14:useLocalDpi xmlns:a14="http://schemas.microsoft.com/office/drawing/2010/main" val="0"/>
+              </a:ext>
+            </a:extLst>
+          </a:blip>
+          <a:srcRect/>
+          <a:stretch>
+            <a:fillRect/>
+          </a:stretch>
+        </p:blipFill>
+        <p:spPr bwMode="auto">
+          <a:xfrm>
+            <a:off x="176507" y="454014"/>
+            <a:ext cx="4447226" cy="3798672"/>
+          </a:xfrm>
+          <a:prstGeom prst="rect">
+            <a:avLst/>
+          </a:prstGeom>
+          <a:noFill/>
+          <a:extLst>
+            <a:ext uri="{909E8E84-426E-40DD-AFC4-6F175D3DCCD1}">
+              <a14:hiddenFill xmlns:a14="http://schemas.microsoft.com/office/drawing/2010/main">
+                <a:solidFill>
+                  <a:srgbClr val="FFFFFF"/>
+                </a:solidFill>
+              </a14:hiddenFill>
+            </a:ext>
+          </a:extLst>
+        </p:spPr>
+      </p:pic>
+      <p:pic>
+        <p:nvPicPr>
+          <p:cNvPr id="2049" name="Image 32"/>
+          <p:cNvPicPr>
+            <a:picLocks noChangeAspect="1" noChangeArrowheads="1"/>
+          </p:cNvPicPr>
+          <p:nvPr/>
+        </p:nvPicPr>
+        <p:blipFill>
+          <a:blip r:embed="rId2">
+            <a:extLst>
+              <a:ext uri="{28A0092B-C50C-407E-A947-70E740481C1C}">
+                <a14:useLocalDpi xmlns:a14="http://schemas.microsoft.com/office/drawing/2010/main" val="0"/>
+              </a:ext>
+            </a:extLst>
+          </a:blip>
+          <a:srcRect/>
+          <a:stretch>
+            <a:fillRect/>
+          </a:stretch>
+        </p:blipFill>
+        <p:spPr bwMode="auto">
+          <a:xfrm>
+            <a:off x="6134572" y="4588565"/>
+            <a:ext cx="3785718" cy="877437"/>
+          </a:xfrm>
+          <a:prstGeom prst="rect">
+            <a:avLst/>
+          </a:prstGeom>
+          <a:noFill/>
+          <a:extLst>
+            <a:ext uri="{909E8E84-426E-40DD-AFC4-6F175D3DCCD1}">
+              <a14:hiddenFill xmlns:a14="http://schemas.microsoft.com/office/drawing/2010/main">
+                <a:solidFill>
+                  <a:srgbClr val="FFFFFF"/>
+                </a:solidFill>
+              </a14:hiddenFill>
+            </a:ext>
+          </a:extLst>
+        </p:spPr>
+      </p:pic>
+      <p:pic>
+        <p:nvPicPr>
+          <p:cNvPr id="2050" name="Image 33"/>
+          <p:cNvPicPr>
+            <a:picLocks noChangeAspect="1" noChangeArrowheads="1"/>
+          </p:cNvPicPr>
+          <p:nvPr/>
+        </p:nvPicPr>
+        <p:blipFill>
+          <a:blip r:embed="rId4">
+            <a:extLst>
+              <a:ext uri="{28A0092B-C50C-407E-A947-70E740481C1C}">
+                <a14:useLocalDpi xmlns:a14="http://schemas.microsoft.com/office/drawing/2010/main" val="0"/>
+              </a:ext>
+            </a:extLst>
+          </a:blip>
+          <a:srcRect/>
+          <a:stretch>
+            <a:fillRect/>
+          </a:stretch>
+        </p:blipFill>
+        <p:spPr bwMode="auto">
+          <a:xfrm>
+            <a:off x="977900" y="4544944"/>
+            <a:ext cx="4348843" cy="921058"/>
+          </a:xfrm>
+          <a:prstGeom prst="rect">
+            <a:avLst/>
+          </a:prstGeom>
+          <a:noFill/>
+          <a:extLst>
+            <a:ext uri="{909E8E84-426E-40DD-AFC4-6F175D3DCCD1}">
+              <a14:hiddenFill xmlns:a14="http://schemas.microsoft.com/office/drawing/2010/main">
+                <a:solidFill>
+                  <a:srgbClr val="FFFFFF"/>
+                </a:solidFill>
+              </a14:hiddenFill>
+            </a:ext>
+          </a:extLst>
+        </p:spPr>
+      </p:pic>
+      <p:sp>
+        <p:nvSpPr>
+          <p:cNvPr id="29" name="Rectangle 14"/>
+          <p:cNvSpPr>
+            <a:spLocks noChangeArrowheads="1"/>
+          </p:cNvSpPr>
+          <p:nvPr/>
+        </p:nvSpPr>
+        <p:spPr bwMode="auto">
+          <a:xfrm>
+            <a:off x="457200" y="1849677"/>
+            <a:ext cx="12192000" cy="0"/>
+          </a:xfrm>
+          <a:prstGeom prst="rect">
+            <a:avLst/>
+          </a:prstGeom>
+          <a:noFill/>
+          <a:ln>
+            <a:noFill/>
+          </a:ln>
+          <a:effectLst/>
+          <a:extLst>
+            <a:ext uri="{909E8E84-426E-40DD-AFC4-6F175D3DCCD1}">
+              <a14:hiddenFill xmlns:a14="http://schemas.microsoft.com/office/drawing/2010/main">
+                <a:solidFill>
+                  <a:schemeClr val="accent1"/>
+                </a:solidFill>
+              </a14:hiddenFill>
+            </a:ext>
+            <a:ext uri="{91240B29-F687-4F45-9708-019B960494DF}">
+              <a14:hiddenLine xmlns:a14="http://schemas.microsoft.com/office/drawing/2010/main" w="9525">
+                <a:solidFill>
+                  <a:schemeClr val="tx1"/>
+                </a:solidFill>
+                <a:miter lim="800000"/>
+                <a:headEnd/>
+                <a:tailEnd/>
+              </a14:hiddenLine>
+            </a:ext>
+            <a:ext uri="{AF507438-7753-43E0-B8FC-AC1667EBCBE1}">
+              <a14:hiddenEffects xmlns:a14="http://schemas.microsoft.com/office/drawing/2010/main">
+                <a:effectLst>
+                  <a:outerShdw dist="35921" dir="2700000" algn="ctr" rotWithShape="0">
+                    <a:schemeClr val="bg2"/>
+                  </a:outerShdw>
+                </a:effectLst>
+              </a14:hiddenEffects>
+            </a:ext>
+          </a:extLst>
+        </p:spPr>
+        <p:txBody>
+          <a:bodyPr vert="horz" wrap="none" lIns="91440" tIns="45720" rIns="91440" bIns="45720" numCol="1" anchor="ctr" anchorCtr="0" compatLnSpc="1">
+            <a:prstTxWarp prst="textNoShape">
+              <a:avLst/>
+            </a:prstTxWarp>
+            <a:spAutoFit/>
+          </a:bodyPr>
+          <a:lstStyle/>
+          <a:p>
+            <a:endParaRPr lang="fr-FR"/>
+          </a:p>
+        </p:txBody>
+      </p:sp>
+    </p:spTree>
+    <p:extLst>
+      <p:ext uri="{BB962C8B-B14F-4D97-AF65-F5344CB8AC3E}">
+        <p14:creationId xmlns:p14="http://schemas.microsoft.com/office/powerpoint/2010/main" val="1021000452"/>
+      </p:ext>
+    </p:extLst>
+  </p:cSld>
+  <p:clrMapOvr>
+    <a:masterClrMapping/>
+  </p:clrMapOvr>
+  <p:transition spd="slow">
+    <p:push dir="u"/>
+  </p:transition>
+  <p:timing>
+    <p:tnLst>
+      <p:par>
+        <p:cTn id="1" dur="indefinite" restart="never" nodeType="tmRoot"/>
+      </p:par>
+    </p:tnLst>
+  </p:timing>
+</p:sld>
+</file>
+
+<file path=ppt/slides/slide5.xml><?xml version="1.0" encoding="utf-8"?>
+<p:sld xmlns:a="http://schemas.openxmlformats.org/drawingml/2006/main" xmlns:r="http://schemas.openxmlformats.org/officeDocument/2006/relationships" xmlns:p="http://schemas.openxmlformats.org/presentationml/2006/main">
+  <p:cSld>
+    <p:spTree>
+      <p:nvGrpSpPr>
+        <p:cNvPr id="1" name=""/>
+        <p:cNvGrpSpPr/>
+        <p:nvPr/>
+      </p:nvGrpSpPr>
+      <p:grpSpPr>
+        <a:xfrm>
+          <a:off x="0" y="0"/>
+          <a:ext cx="0" cy="0"/>
+          <a:chOff x="0" y="0"/>
+          <a:chExt cx="0" cy="0"/>
+        </a:xfrm>
+      </p:grpSpPr>
+      <p:sp>
+        <p:nvSpPr>
           <p:cNvPr id="11" name="Rectangle 8">
             <a:extLst>
               <a:ext uri="{FF2B5EF4-FFF2-40B4-BE49-F238E27FC236}">
@@ -3393,8 +4554,8 @@
         </p:nvSpPr>
         <p:spPr bwMode="auto">
           <a:xfrm>
-            <a:off x="672570" y="398224"/>
-            <a:ext cx="11200090" cy="5078313"/>
+            <a:off x="-1210246" y="-66494"/>
+            <a:ext cx="11200090" cy="742511"/>
           </a:xfrm>
           <a:prstGeom prst="rect">
             <a:avLst/>
@@ -3596,220 +4757,24 @@
             </a:lvl9pPr>
           </a:lstStyle>
           <a:p>
-            <a:pPr marL="571500" indent="-571500" algn="r" rtl="1">
+            <a:pPr algn="r" rtl="1">
               <a:lnSpc>
                 <a:spcPct val="150000"/>
               </a:lnSpc>
-              <a:buFont typeface="Wingdings" panose="05000000000000000000" pitchFamily="2" charset="2"/>
-              <a:buChar char="Ø"/>
             </a:pPr>
             <a:r>
-              <a:rPr lang="ar-DZ" sz="2400" dirty="0">
+              <a:rPr lang="ar-DZ" sz="3200" dirty="0">
                 <a:cs typeface="+mj-cs"/>
               </a:rPr>
-              <a:t>قم بإنشاء ملف عرض تقديمي يحتوي علي شريحتين أكتب في الشريحة لأولى </a:t>
-            </a:r>
-            <a:r>
-              <a:rPr lang="fr-FR" sz="2400" dirty="0" smtClean="0">
+              <a:t>صنف لبنات الصوت حسب الجدول التالي </a:t>
+            </a:r>
+            <a:r>
+              <a:rPr lang="ar-DZ" sz="3200" dirty="0" smtClean="0">
                 <a:cs typeface="+mj-cs"/>
               </a:rPr>
-              <a:t>Diapositive</a:t>
-            </a:r>
-            <a:r>
-              <a:rPr lang="fr-FR" sz="2400" dirty="0">
-                <a:cs typeface="+mj-cs"/>
-              </a:rPr>
-              <a:t> </a:t>
-            </a:r>
-            <a:r>
-              <a:rPr lang="fr-FR" sz="2400" dirty="0" smtClean="0">
-                <a:cs typeface="+mj-cs"/>
-              </a:rPr>
-              <a:t>1</a:t>
-            </a:r>
-            <a:r>
-              <a:rPr lang="ar-DZ" sz="2400" dirty="0" smtClean="0">
-                <a:cs typeface="+mj-cs"/>
-              </a:rPr>
-              <a:t> و </a:t>
-            </a:r>
-            <a:r>
-              <a:rPr lang="ar-DZ" sz="2400" dirty="0">
-                <a:cs typeface="+mj-cs"/>
-              </a:rPr>
-              <a:t>في الثانية </a:t>
-            </a:r>
-            <a:r>
-              <a:rPr lang="fr-FR" sz="2400" dirty="0">
-                <a:cs typeface="+mj-cs"/>
-              </a:rPr>
-              <a:t>Diapositive </a:t>
-            </a:r>
-            <a:r>
-              <a:rPr lang="fr-FR" sz="2400" dirty="0" smtClean="0">
-                <a:cs typeface="+mj-cs"/>
-              </a:rPr>
-              <a:t>2 </a:t>
-            </a:r>
-          </a:p>
-          <a:p>
-            <a:pPr marL="571500" indent="-571500" algn="r" rtl="1">
-              <a:lnSpc>
-                <a:spcPct val="150000"/>
-              </a:lnSpc>
-              <a:buFont typeface="Wingdings" panose="05000000000000000000" pitchFamily="2" charset="2"/>
-              <a:buChar char="Ø"/>
-            </a:pPr>
-            <a:r>
-              <a:rPr lang="ar-DZ" sz="2400" dirty="0" smtClean="0">
-                <a:cs typeface="+mj-cs"/>
-              </a:rPr>
-              <a:t>لنبحث عن التبويب المناسب الذي يسمح لنا بإضافة تأثيرات على الشريحة الأولى</a:t>
-            </a:r>
-          </a:p>
-          <a:p>
-            <a:pPr marL="571500" indent="-571500" algn="r" rtl="1">
-              <a:lnSpc>
-                <a:spcPct val="150000"/>
-              </a:lnSpc>
-              <a:buFont typeface="Wingdings" panose="05000000000000000000" pitchFamily="2" charset="2"/>
-              <a:buChar char="Ø"/>
-            </a:pPr>
-            <a:r>
-              <a:rPr lang="ar-DZ" sz="2400" dirty="0">
-                <a:cs typeface="+mj-cs"/>
-              </a:rPr>
-              <a:t>	ما اسم المجموعة التي تحتوي علي التأثيرات </a:t>
-            </a:r>
-            <a:r>
-              <a:rPr lang="ar-DZ" sz="2400" dirty="0" smtClean="0">
-                <a:cs typeface="+mj-cs"/>
-              </a:rPr>
-              <a:t>؟</a:t>
-            </a:r>
-          </a:p>
-          <a:p>
-            <a:pPr marL="571500" indent="-571500" algn="r" rtl="1">
-              <a:lnSpc>
-                <a:spcPct val="150000"/>
-              </a:lnSpc>
-              <a:buFont typeface="Wingdings" panose="05000000000000000000" pitchFamily="2" charset="2"/>
-              <a:buChar char="Ø"/>
-            </a:pPr>
-            <a:r>
-              <a:rPr lang="ar-DZ" sz="2400" dirty="0">
-                <a:cs typeface="+mj-cs"/>
-              </a:rPr>
-              <a:t>	في المجموعة </a:t>
-            </a:r>
-            <a:r>
-              <a:rPr lang="fr-FR" sz="2400" dirty="0">
-                <a:cs typeface="+mj-cs"/>
-              </a:rPr>
-              <a:t>Minutage ، </a:t>
-            </a:r>
-            <a:r>
-              <a:rPr lang="ar-DZ" sz="2400" dirty="0">
-                <a:cs typeface="+mj-cs"/>
-              </a:rPr>
-              <a:t>في </a:t>
-            </a:r>
-            <a:r>
-              <a:rPr lang="ar-DZ" sz="2400" dirty="0" smtClean="0">
-                <a:cs typeface="+mj-cs"/>
-              </a:rPr>
-              <a:t>التعليمة</a:t>
-            </a:r>
-            <a:r>
-              <a:rPr lang="fr-FR" sz="2400" dirty="0" smtClean="0">
-                <a:cs typeface="+mj-cs"/>
-              </a:rPr>
-              <a:t> Son </a:t>
-            </a:r>
-            <a:r>
-              <a:rPr lang="ar-DZ" sz="2400" dirty="0">
-                <a:cs typeface="+mj-cs"/>
-              </a:rPr>
-              <a:t>اختر إحدى الخيارات ثم اضغط على </a:t>
-            </a:r>
-            <a:r>
-              <a:rPr lang="fr-FR" sz="2400" dirty="0" smtClean="0">
-                <a:cs typeface="+mj-cs"/>
-              </a:rPr>
-              <a:t> Aperçu</a:t>
-            </a:r>
-            <a:r>
-              <a:rPr lang="ar-DZ" sz="2400" dirty="0" smtClean="0">
-                <a:cs typeface="+mj-cs"/>
-              </a:rPr>
-              <a:t>الموجود </a:t>
-            </a:r>
-            <a:r>
-              <a:rPr lang="ar-DZ" sz="2400" dirty="0">
-                <a:cs typeface="+mj-cs"/>
-              </a:rPr>
-              <a:t>أقصى اليسار، ماذا تلاحظ ؟ ما دور التعليمة </a:t>
-            </a:r>
-            <a:r>
-              <a:rPr lang="fr-FR" sz="2400" dirty="0" smtClean="0">
-                <a:cs typeface="+mj-cs"/>
-              </a:rPr>
-              <a:t> Son ؟</a:t>
-            </a:r>
-            <a:endParaRPr lang="ar-DZ" sz="2400" dirty="0" smtClean="0">
-              <a:cs typeface="+mj-cs"/>
-            </a:endParaRPr>
-          </a:p>
-          <a:p>
-            <a:pPr marL="571500" indent="-571500" algn="r" rtl="1">
-              <a:lnSpc>
-                <a:spcPct val="150000"/>
-              </a:lnSpc>
-              <a:buFont typeface="Wingdings" panose="05000000000000000000" pitchFamily="2" charset="2"/>
-              <a:buChar char="Ø"/>
-            </a:pPr>
-            <a:r>
-              <a:rPr lang="fr-FR" sz="2400" dirty="0">
-                <a:cs typeface="+mj-cs"/>
-              </a:rPr>
-              <a:t>	</a:t>
-            </a:r>
-            <a:r>
-              <a:rPr lang="ar-DZ" sz="2400" dirty="0">
-                <a:cs typeface="+mj-cs"/>
-              </a:rPr>
-              <a:t>معتمدا على نفس الطريقة ، ما دور التعليمة </a:t>
-            </a:r>
-            <a:r>
-              <a:rPr lang="fr-FR" sz="2400" dirty="0" smtClean="0">
-                <a:cs typeface="+mj-cs"/>
-              </a:rPr>
-              <a:t> Durée ؟</a:t>
-            </a:r>
-          </a:p>
-          <a:p>
-            <a:pPr marL="571500" lvl="0" indent="-571500" algn="r" rtl="1">
-              <a:lnSpc>
-                <a:spcPct val="150000"/>
-              </a:lnSpc>
-              <a:buFont typeface="Wingdings" panose="05000000000000000000" pitchFamily="2" charset="2"/>
-              <a:buChar char="Ø"/>
-            </a:pPr>
-            <a:r>
-              <a:rPr lang="ar-DZ" sz="2400" dirty="0"/>
-              <a:t>ماذا نقصد بهذه التعليمة أدناه ؟ (من يحاول ترجمة هذه التعليمة ؟)</a:t>
-            </a:r>
-            <a:endParaRPr lang="fr-FR" sz="2400" dirty="0"/>
-          </a:p>
-          <a:p>
-            <a:pPr marL="571500" indent="-571500" algn="r" rtl="1">
-              <a:lnSpc>
-                <a:spcPct val="150000"/>
-              </a:lnSpc>
-              <a:buFont typeface="Wingdings" panose="05000000000000000000" pitchFamily="2" charset="2"/>
-              <a:buChar char="Ø"/>
-            </a:pPr>
-            <a:endParaRPr lang="fr-FR" sz="2400" dirty="0">
+              <a:t>:</a:t>
+            </a:r>
+            <a:endParaRPr lang="ar-DZ" sz="3200" dirty="0">
               <a:cs typeface="+mj-cs"/>
             </a:endParaRPr>
           </a:p>
@@ -3934,20 +4899,883 @@
       </p:sp>
       <p:pic>
         <p:nvPicPr>
-          <p:cNvPr id="5" name="Image 4"/>
-          <p:cNvPicPr/>
+          <p:cNvPr id="2" name="Image 1"/>
+          <p:cNvPicPr>
+            <a:picLocks noChangeAspect="1"/>
+          </p:cNvPicPr>
           <p:nvPr/>
         </p:nvPicPr>
         <p:blipFill>
-          <a:blip r:embed="rId2"/>
+          <a:blip r:embed="rId2">
+            <a:extLst>
+              <a:ext uri="{28A0092B-C50C-407E-A947-70E740481C1C}">
+                <a14:useLocalDpi xmlns:a14="http://schemas.microsoft.com/office/drawing/2010/main" val="0"/>
+              </a:ext>
+            </a:extLst>
+          </a:blip>
           <a:stretch>
             <a:fillRect/>
           </a:stretch>
         </p:blipFill>
         <p:spPr>
           <a:xfrm>
-            <a:off x="4183694" y="4860100"/>
-            <a:ext cx="4885150" cy="1878904"/>
+            <a:off x="1731257" y="1545444"/>
+            <a:ext cx="2991267" cy="752580"/>
+          </a:xfrm>
+          <a:prstGeom prst="rect">
+            <a:avLst/>
+          </a:prstGeom>
+        </p:spPr>
+      </p:pic>
+      <p:pic>
+        <p:nvPicPr>
+          <p:cNvPr id="3" name="Image 2"/>
+          <p:cNvPicPr>
+            <a:picLocks noChangeAspect="1"/>
+          </p:cNvPicPr>
+          <p:nvPr/>
+        </p:nvPicPr>
+        <p:blipFill>
+          <a:blip r:embed="rId3">
+            <a:extLst>
+              <a:ext uri="{28A0092B-C50C-407E-A947-70E740481C1C}">
+                <a14:useLocalDpi xmlns:a14="http://schemas.microsoft.com/office/drawing/2010/main" val="0"/>
+              </a:ext>
+            </a:extLst>
+          </a:blip>
+          <a:stretch>
+            <a:fillRect/>
+          </a:stretch>
+        </p:blipFill>
+        <p:spPr>
+          <a:xfrm>
+            <a:off x="6009143" y="752368"/>
+            <a:ext cx="2114845" cy="752580"/>
+          </a:xfrm>
+          <a:prstGeom prst="rect">
+            <a:avLst/>
+          </a:prstGeom>
+        </p:spPr>
+      </p:pic>
+      <p:pic>
+        <p:nvPicPr>
+          <p:cNvPr id="4" name="Image 3"/>
+          <p:cNvPicPr>
+            <a:picLocks noChangeAspect="1"/>
+          </p:cNvPicPr>
+          <p:nvPr/>
+        </p:nvPicPr>
+        <p:blipFill>
+          <a:blip r:embed="rId4">
+            <a:extLst>
+              <a:ext uri="{28A0092B-C50C-407E-A947-70E740481C1C}">
+                <a14:useLocalDpi xmlns:a14="http://schemas.microsoft.com/office/drawing/2010/main" val="0"/>
+              </a:ext>
+            </a:extLst>
+          </a:blip>
+          <a:stretch>
+            <a:fillRect/>
+          </a:stretch>
+        </p:blipFill>
+        <p:spPr>
+          <a:xfrm>
+            <a:off x="6903414" y="1545444"/>
+            <a:ext cx="1457528" cy="771633"/>
+          </a:xfrm>
+          <a:prstGeom prst="rect">
+            <a:avLst/>
+          </a:prstGeom>
+        </p:spPr>
+      </p:pic>
+      <p:pic>
+        <p:nvPicPr>
+          <p:cNvPr id="6" name="Image 5"/>
+          <p:cNvPicPr>
+            <a:picLocks noChangeAspect="1"/>
+          </p:cNvPicPr>
+          <p:nvPr/>
+        </p:nvPicPr>
+        <p:blipFill>
+          <a:blip r:embed="rId5">
+            <a:extLst>
+              <a:ext uri="{28A0092B-C50C-407E-A947-70E740481C1C}">
+                <a14:useLocalDpi xmlns:a14="http://schemas.microsoft.com/office/drawing/2010/main" val="0"/>
+              </a:ext>
+            </a:extLst>
+          </a:blip>
+          <a:stretch>
+            <a:fillRect/>
+          </a:stretch>
+        </p:blipFill>
+        <p:spPr>
+          <a:xfrm>
+            <a:off x="8602064" y="1588260"/>
+            <a:ext cx="3315163" cy="771633"/>
+          </a:xfrm>
+          <a:prstGeom prst="rect">
+            <a:avLst/>
+          </a:prstGeom>
+        </p:spPr>
+      </p:pic>
+      <p:pic>
+        <p:nvPicPr>
+          <p:cNvPr id="7" name="Image 6"/>
+          <p:cNvPicPr>
+            <a:picLocks noChangeAspect="1"/>
+          </p:cNvPicPr>
+          <p:nvPr/>
+        </p:nvPicPr>
+        <p:blipFill>
+          <a:blip r:embed="rId6">
+            <a:extLst>
+              <a:ext uri="{28A0092B-C50C-407E-A947-70E740481C1C}">
+                <a14:useLocalDpi xmlns:a14="http://schemas.microsoft.com/office/drawing/2010/main" val="0"/>
+              </a:ext>
+            </a:extLst>
+          </a:blip>
+          <a:stretch>
+            <a:fillRect/>
+          </a:stretch>
+        </p:blipFill>
+        <p:spPr>
+          <a:xfrm>
+            <a:off x="8411538" y="802390"/>
+            <a:ext cx="3505689" cy="743054"/>
+          </a:xfrm>
+          <a:prstGeom prst="rect">
+            <a:avLst/>
+          </a:prstGeom>
+        </p:spPr>
+      </p:pic>
+      <p:pic>
+        <p:nvPicPr>
+          <p:cNvPr id="8" name="Image 7"/>
+          <p:cNvPicPr>
+            <a:picLocks noChangeAspect="1"/>
+          </p:cNvPicPr>
+          <p:nvPr/>
+        </p:nvPicPr>
+        <p:blipFill>
+          <a:blip r:embed="rId7">
+            <a:extLst>
+              <a:ext uri="{28A0092B-C50C-407E-A947-70E740481C1C}">
+                <a14:useLocalDpi xmlns:a14="http://schemas.microsoft.com/office/drawing/2010/main" val="0"/>
+              </a:ext>
+            </a:extLst>
+          </a:blip>
+          <a:stretch>
+            <a:fillRect/>
+          </a:stretch>
+        </p:blipFill>
+        <p:spPr>
+          <a:xfrm>
+            <a:off x="5004712" y="1545444"/>
+            <a:ext cx="1657581" cy="771633"/>
+          </a:xfrm>
+          <a:prstGeom prst="rect">
+            <a:avLst/>
+          </a:prstGeom>
+        </p:spPr>
+      </p:pic>
+      <p:pic>
+        <p:nvPicPr>
+          <p:cNvPr id="9" name="Image 8"/>
+          <p:cNvPicPr>
+            <a:picLocks noChangeAspect="1"/>
+          </p:cNvPicPr>
+          <p:nvPr/>
+        </p:nvPicPr>
+        <p:blipFill>
+          <a:blip r:embed="rId8">
+            <a:extLst>
+              <a:ext uri="{28A0092B-C50C-407E-A947-70E740481C1C}">
+                <a14:useLocalDpi xmlns:a14="http://schemas.microsoft.com/office/drawing/2010/main" val="0"/>
+              </a:ext>
+            </a:extLst>
+          </a:blip>
+          <a:stretch>
+            <a:fillRect/>
+          </a:stretch>
+        </p:blipFill>
+        <p:spPr>
+          <a:xfrm>
+            <a:off x="3374152" y="752368"/>
+            <a:ext cx="2353003" cy="752580"/>
+          </a:xfrm>
+          <a:prstGeom prst="rect">
+            <a:avLst/>
+          </a:prstGeom>
+        </p:spPr>
+      </p:pic>
+      <p:pic>
+        <p:nvPicPr>
+          <p:cNvPr id="10" name="Image 9"/>
+          <p:cNvPicPr>
+            <a:picLocks noChangeAspect="1"/>
+          </p:cNvPicPr>
+          <p:nvPr/>
+        </p:nvPicPr>
+        <p:blipFill>
+          <a:blip r:embed="rId9">
+            <a:extLst>
+              <a:ext uri="{28A0092B-C50C-407E-A947-70E740481C1C}">
+                <a14:useLocalDpi xmlns:a14="http://schemas.microsoft.com/office/drawing/2010/main" val="0"/>
+              </a:ext>
+            </a:extLst>
+          </a:blip>
+          <a:stretch>
+            <a:fillRect/>
+          </a:stretch>
+        </p:blipFill>
+        <p:spPr>
+          <a:xfrm>
+            <a:off x="291423" y="756285"/>
+            <a:ext cx="2800741" cy="781159"/>
+          </a:xfrm>
+          <a:prstGeom prst="rect">
+            <a:avLst/>
+          </a:prstGeom>
+        </p:spPr>
+      </p:pic>
+      <p:pic>
+        <p:nvPicPr>
+          <p:cNvPr id="14" name="Image 13"/>
+          <p:cNvPicPr>
+            <a:picLocks noChangeAspect="1"/>
+          </p:cNvPicPr>
+          <p:nvPr/>
+        </p:nvPicPr>
+        <p:blipFill>
+          <a:blip r:embed="rId10">
+            <a:extLst>
+              <a:ext uri="{28A0092B-C50C-407E-A947-70E740481C1C}">
+                <a14:useLocalDpi xmlns:a14="http://schemas.microsoft.com/office/drawing/2010/main" val="0"/>
+              </a:ext>
+            </a:extLst>
+          </a:blip>
+          <a:stretch>
+            <a:fillRect/>
+          </a:stretch>
+        </p:blipFill>
+        <p:spPr>
+          <a:xfrm>
+            <a:off x="210339" y="1499752"/>
+            <a:ext cx="1256625" cy="708378"/>
+          </a:xfrm>
+          <a:prstGeom prst="rect">
+            <a:avLst/>
+          </a:prstGeom>
+        </p:spPr>
+      </p:pic>
+      <p:graphicFrame>
+        <p:nvGraphicFramePr>
+          <p:cNvPr id="15" name="Tableau 14"/>
+          <p:cNvGraphicFramePr>
+            <a:graphicFrameLocks noGrp="1"/>
+          </p:cNvGraphicFramePr>
+          <p:nvPr>
+            <p:extLst>
+              <p:ext uri="{D42A27DB-BD31-4B8C-83A1-F6EECF244321}">
+                <p14:modId xmlns:p14="http://schemas.microsoft.com/office/powerpoint/2010/main" val="2106995528"/>
+              </p:ext>
+            </p:extLst>
+          </p:nvPr>
+        </p:nvGraphicFramePr>
+        <p:xfrm>
+          <a:off x="291423" y="2725396"/>
+          <a:ext cx="11625804" cy="3362253"/>
+        </p:xfrm>
+        <a:graphic>
+          <a:graphicData uri="http://schemas.openxmlformats.org/drawingml/2006/table">
+            <a:tbl>
+              <a:tblPr firstRow="1" bandRow="1">
+                <a:tableStyleId>{69012ECD-51FC-41F1-AA8D-1B2483CD663E}</a:tableStyleId>
+              </a:tblPr>
+              <a:tblGrid>
+                <a:gridCol w="3875268"/>
+                <a:gridCol w="3875268"/>
+                <a:gridCol w="3875268"/>
+              </a:tblGrid>
+              <a:tr h="370840">
+                <a:tc>
+                  <a:txBody>
+                    <a:bodyPr/>
+                    <a:lstStyle/>
+                    <a:p>
+                      <a:pPr algn="ctr"/>
+                      <a:r>
+                        <a:rPr lang="ar-DZ" sz="2400" dirty="0" smtClean="0"/>
+                        <a:t>لبنات سرعة الأداء</a:t>
+                      </a:r>
+                      <a:endParaRPr lang="fr-FR" sz="2400" dirty="0"/>
+                    </a:p>
+                  </a:txBody>
+                  <a:tcPr>
+                    <a:lnL w="28575" cap="flat" cmpd="sng" algn="ctr">
+                      <a:solidFill>
+                        <a:schemeClr val="accent1"/>
+                      </a:solidFill>
+                      <a:prstDash val="solid"/>
+                      <a:round/>
+                      <a:headEnd type="none" w="med" len="med"/>
+                      <a:tailEnd type="none" w="med" len="med"/>
+                    </a:lnL>
+                    <a:lnR w="28575" cap="flat" cmpd="sng" algn="ctr">
+                      <a:solidFill>
+                        <a:schemeClr val="accent1"/>
+                      </a:solidFill>
+                      <a:prstDash val="solid"/>
+                      <a:round/>
+                      <a:headEnd type="none" w="med" len="med"/>
+                      <a:tailEnd type="none" w="med" len="med"/>
+                    </a:lnR>
+                    <a:lnT w="28575" cap="flat" cmpd="sng" algn="ctr">
+                      <a:solidFill>
+                        <a:schemeClr val="accent1"/>
+                      </a:solidFill>
+                      <a:prstDash val="solid"/>
+                      <a:round/>
+                      <a:headEnd type="none" w="med" len="med"/>
+                      <a:tailEnd type="none" w="med" len="med"/>
+                    </a:lnT>
+                    <a:lnB w="28575" cap="flat" cmpd="sng" algn="ctr">
+                      <a:solidFill>
+                        <a:schemeClr val="accent1"/>
+                      </a:solidFill>
+                      <a:prstDash val="solid"/>
+                      <a:round/>
+                      <a:headEnd type="none" w="med" len="med"/>
+                      <a:tailEnd type="none" w="med" len="med"/>
+                    </a:lnB>
+                  </a:tcPr>
+                </a:tc>
+                <a:tc>
+                  <a:txBody>
+                    <a:bodyPr/>
+                    <a:lstStyle/>
+                    <a:p>
+                      <a:pPr algn="ctr"/>
+                      <a:r>
+                        <a:rPr lang="ar-DZ" sz="2400" dirty="0" smtClean="0"/>
+                        <a:t>لبنات</a:t>
+                      </a:r>
+                      <a:r>
+                        <a:rPr lang="ar-DZ" sz="2400" baseline="0" dirty="0" smtClean="0"/>
+                        <a:t> شدة الصوت</a:t>
+                      </a:r>
+                      <a:endParaRPr lang="fr-FR" sz="2400" dirty="0"/>
+                    </a:p>
+                  </a:txBody>
+                  <a:tcPr>
+                    <a:lnL w="28575" cap="flat" cmpd="sng" algn="ctr">
+                      <a:solidFill>
+                        <a:schemeClr val="accent1"/>
+                      </a:solidFill>
+                      <a:prstDash val="solid"/>
+                      <a:round/>
+                      <a:headEnd type="none" w="med" len="med"/>
+                      <a:tailEnd type="none" w="med" len="med"/>
+                    </a:lnL>
+                    <a:lnR w="28575" cap="flat" cmpd="sng" algn="ctr">
+                      <a:solidFill>
+                        <a:schemeClr val="accent1"/>
+                      </a:solidFill>
+                      <a:prstDash val="solid"/>
+                      <a:round/>
+                      <a:headEnd type="none" w="med" len="med"/>
+                      <a:tailEnd type="none" w="med" len="med"/>
+                    </a:lnR>
+                    <a:lnT w="28575" cap="flat" cmpd="sng" algn="ctr">
+                      <a:solidFill>
+                        <a:schemeClr val="accent1"/>
+                      </a:solidFill>
+                      <a:prstDash val="solid"/>
+                      <a:round/>
+                      <a:headEnd type="none" w="med" len="med"/>
+                      <a:tailEnd type="none" w="med" len="med"/>
+                    </a:lnT>
+                    <a:lnB w="28575" cap="flat" cmpd="sng" algn="ctr">
+                      <a:solidFill>
+                        <a:schemeClr val="accent1"/>
+                      </a:solidFill>
+                      <a:prstDash val="solid"/>
+                      <a:round/>
+                      <a:headEnd type="none" w="med" len="med"/>
+                      <a:tailEnd type="none" w="med" len="med"/>
+                    </a:lnB>
+                  </a:tcPr>
+                </a:tc>
+                <a:tc>
+                  <a:txBody>
+                    <a:bodyPr/>
+                    <a:lstStyle/>
+                    <a:p>
+                      <a:pPr algn="ctr"/>
+                      <a:r>
+                        <a:rPr lang="ar-DZ" sz="2400" dirty="0" smtClean="0"/>
+                        <a:t>لبنات</a:t>
+                      </a:r>
+                      <a:r>
+                        <a:rPr lang="ar-DZ" sz="2400" baseline="0" dirty="0" smtClean="0"/>
+                        <a:t> التشغيل و الإيقاف</a:t>
+                      </a:r>
+                      <a:endParaRPr lang="fr-FR" sz="2400" dirty="0"/>
+                    </a:p>
+                  </a:txBody>
+                  <a:tcPr>
+                    <a:lnL w="28575" cap="flat" cmpd="sng" algn="ctr">
+                      <a:solidFill>
+                        <a:schemeClr val="accent1"/>
+                      </a:solidFill>
+                      <a:prstDash val="solid"/>
+                      <a:round/>
+                      <a:headEnd type="none" w="med" len="med"/>
+                      <a:tailEnd type="none" w="med" len="med"/>
+                    </a:lnL>
+                    <a:lnR w="28575" cap="flat" cmpd="sng" algn="ctr">
+                      <a:solidFill>
+                        <a:schemeClr val="accent1"/>
+                      </a:solidFill>
+                      <a:prstDash val="solid"/>
+                      <a:round/>
+                      <a:headEnd type="none" w="med" len="med"/>
+                      <a:tailEnd type="none" w="med" len="med"/>
+                    </a:lnR>
+                    <a:lnT w="28575" cap="flat" cmpd="sng" algn="ctr">
+                      <a:solidFill>
+                        <a:schemeClr val="accent1"/>
+                      </a:solidFill>
+                      <a:prstDash val="solid"/>
+                      <a:round/>
+                      <a:headEnd type="none" w="med" len="med"/>
+                      <a:tailEnd type="none" w="med" len="med"/>
+                    </a:lnT>
+                    <a:lnB w="28575" cap="flat" cmpd="sng" algn="ctr">
+                      <a:solidFill>
+                        <a:schemeClr val="accent1"/>
+                      </a:solidFill>
+                      <a:prstDash val="solid"/>
+                      <a:round/>
+                      <a:headEnd type="none" w="med" len="med"/>
+                      <a:tailEnd type="none" w="med" len="med"/>
+                    </a:lnB>
+                  </a:tcPr>
+                </a:tc>
+              </a:tr>
+              <a:tr h="2905053">
+                <a:tc>
+                  <a:txBody>
+                    <a:bodyPr/>
+                    <a:lstStyle/>
+                    <a:p>
+                      <a:pPr algn="ctr"/>
+                      <a:endParaRPr lang="fr-FR" sz="2400"/>
+                    </a:p>
+                  </a:txBody>
+                  <a:tcPr>
+                    <a:lnL w="28575" cap="flat" cmpd="sng" algn="ctr">
+                      <a:solidFill>
+                        <a:schemeClr val="accent1"/>
+                      </a:solidFill>
+                      <a:prstDash val="solid"/>
+                      <a:round/>
+                      <a:headEnd type="none" w="med" len="med"/>
+                      <a:tailEnd type="none" w="med" len="med"/>
+                    </a:lnL>
+                    <a:lnR w="28575" cap="flat" cmpd="sng" algn="ctr">
+                      <a:solidFill>
+                        <a:schemeClr val="accent1"/>
+                      </a:solidFill>
+                      <a:prstDash val="solid"/>
+                      <a:round/>
+                      <a:headEnd type="none" w="med" len="med"/>
+                      <a:tailEnd type="none" w="med" len="med"/>
+                    </a:lnR>
+                    <a:lnT w="28575" cap="flat" cmpd="sng" algn="ctr">
+                      <a:solidFill>
+                        <a:schemeClr val="accent1"/>
+                      </a:solidFill>
+                      <a:prstDash val="solid"/>
+                      <a:round/>
+                      <a:headEnd type="none" w="med" len="med"/>
+                      <a:tailEnd type="none" w="med" len="med"/>
+                    </a:lnT>
+                    <a:lnB w="28575" cap="flat" cmpd="sng" algn="ctr">
+                      <a:solidFill>
+                        <a:schemeClr val="accent1"/>
+                      </a:solidFill>
+                      <a:prstDash val="solid"/>
+                      <a:round/>
+                      <a:headEnd type="none" w="med" len="med"/>
+                      <a:tailEnd type="none" w="med" len="med"/>
+                    </a:lnB>
+                  </a:tcPr>
+                </a:tc>
+                <a:tc>
+                  <a:txBody>
+                    <a:bodyPr/>
+                    <a:lstStyle/>
+                    <a:p>
+                      <a:pPr algn="ctr"/>
+                      <a:endParaRPr lang="fr-FR" sz="2400"/>
+                    </a:p>
+                  </a:txBody>
+                  <a:tcPr>
+                    <a:lnL w="28575" cap="flat" cmpd="sng" algn="ctr">
+                      <a:solidFill>
+                        <a:schemeClr val="accent1"/>
+                      </a:solidFill>
+                      <a:prstDash val="solid"/>
+                      <a:round/>
+                      <a:headEnd type="none" w="med" len="med"/>
+                      <a:tailEnd type="none" w="med" len="med"/>
+                    </a:lnL>
+                    <a:lnR w="28575" cap="flat" cmpd="sng" algn="ctr">
+                      <a:solidFill>
+                        <a:schemeClr val="accent1"/>
+                      </a:solidFill>
+                      <a:prstDash val="solid"/>
+                      <a:round/>
+                      <a:headEnd type="none" w="med" len="med"/>
+                      <a:tailEnd type="none" w="med" len="med"/>
+                    </a:lnR>
+                    <a:lnT w="28575" cap="flat" cmpd="sng" algn="ctr">
+                      <a:solidFill>
+                        <a:schemeClr val="accent1"/>
+                      </a:solidFill>
+                      <a:prstDash val="solid"/>
+                      <a:round/>
+                      <a:headEnd type="none" w="med" len="med"/>
+                      <a:tailEnd type="none" w="med" len="med"/>
+                    </a:lnT>
+                    <a:lnB w="28575" cap="flat" cmpd="sng" algn="ctr">
+                      <a:solidFill>
+                        <a:schemeClr val="accent1"/>
+                      </a:solidFill>
+                      <a:prstDash val="solid"/>
+                      <a:round/>
+                      <a:headEnd type="none" w="med" len="med"/>
+                      <a:tailEnd type="none" w="med" len="med"/>
+                    </a:lnB>
+                  </a:tcPr>
+                </a:tc>
+                <a:tc>
+                  <a:txBody>
+                    <a:bodyPr/>
+                    <a:lstStyle/>
+                    <a:p>
+                      <a:pPr algn="ctr"/>
+                      <a:endParaRPr lang="fr-FR" sz="2400" dirty="0"/>
+                    </a:p>
+                  </a:txBody>
+                  <a:tcPr>
+                    <a:lnL w="28575" cap="flat" cmpd="sng" algn="ctr">
+                      <a:solidFill>
+                        <a:schemeClr val="accent1"/>
+                      </a:solidFill>
+                      <a:prstDash val="solid"/>
+                      <a:round/>
+                      <a:headEnd type="none" w="med" len="med"/>
+                      <a:tailEnd type="none" w="med" len="med"/>
+                    </a:lnL>
+                    <a:lnR w="28575" cap="flat" cmpd="sng" algn="ctr">
+                      <a:solidFill>
+                        <a:schemeClr val="accent1"/>
+                      </a:solidFill>
+                      <a:prstDash val="solid"/>
+                      <a:round/>
+                      <a:headEnd type="none" w="med" len="med"/>
+                      <a:tailEnd type="none" w="med" len="med"/>
+                    </a:lnR>
+                    <a:lnT w="28575" cap="flat" cmpd="sng" algn="ctr">
+                      <a:solidFill>
+                        <a:schemeClr val="accent1"/>
+                      </a:solidFill>
+                      <a:prstDash val="solid"/>
+                      <a:round/>
+                      <a:headEnd type="none" w="med" len="med"/>
+                      <a:tailEnd type="none" w="med" len="med"/>
+                    </a:lnT>
+                    <a:lnB w="28575" cap="flat" cmpd="sng" algn="ctr">
+                      <a:solidFill>
+                        <a:schemeClr val="accent1"/>
+                      </a:solidFill>
+                      <a:prstDash val="solid"/>
+                      <a:round/>
+                      <a:headEnd type="none" w="med" len="med"/>
+                      <a:tailEnd type="none" w="med" len="med"/>
+                    </a:lnB>
+                  </a:tcPr>
+                </a:tc>
+              </a:tr>
+            </a:tbl>
+          </a:graphicData>
+        </a:graphic>
+      </p:graphicFrame>
+      <p:pic>
+        <p:nvPicPr>
+          <p:cNvPr id="16" name="Image 15"/>
+          <p:cNvPicPr>
+            <a:picLocks noChangeAspect="1"/>
+          </p:cNvPicPr>
+          <p:nvPr/>
+        </p:nvPicPr>
+        <p:blipFill>
+          <a:blip r:embed="rId6">
+            <a:extLst>
+              <a:ext uri="{28A0092B-C50C-407E-A947-70E740481C1C}">
+                <a14:useLocalDpi xmlns:a14="http://schemas.microsoft.com/office/drawing/2010/main" val="0"/>
+              </a:ext>
+            </a:extLst>
+          </a:blip>
+          <a:stretch>
+            <a:fillRect/>
+          </a:stretch>
+        </p:blipFill>
+        <p:spPr>
+          <a:xfrm>
+            <a:off x="456619" y="3375050"/>
+            <a:ext cx="3505689" cy="743054"/>
+          </a:xfrm>
+          <a:prstGeom prst="rect">
+            <a:avLst/>
+          </a:prstGeom>
+        </p:spPr>
+      </p:pic>
+      <p:pic>
+        <p:nvPicPr>
+          <p:cNvPr id="17" name="Image 16"/>
+          <p:cNvPicPr>
+            <a:picLocks noChangeAspect="1"/>
+          </p:cNvPicPr>
+          <p:nvPr/>
+        </p:nvPicPr>
+        <p:blipFill>
+          <a:blip r:embed="rId3">
+            <a:extLst>
+              <a:ext uri="{28A0092B-C50C-407E-A947-70E740481C1C}">
+                <a14:useLocalDpi xmlns:a14="http://schemas.microsoft.com/office/drawing/2010/main" val="0"/>
+              </a:ext>
+            </a:extLst>
+          </a:blip>
+          <a:stretch>
+            <a:fillRect/>
+          </a:stretch>
+        </p:blipFill>
+        <p:spPr>
+          <a:xfrm>
+            <a:off x="8982522" y="3385892"/>
+            <a:ext cx="2114845" cy="752580"/>
+          </a:xfrm>
+          <a:prstGeom prst="rect">
+            <a:avLst/>
+          </a:prstGeom>
+        </p:spPr>
+      </p:pic>
+      <p:pic>
+        <p:nvPicPr>
+          <p:cNvPr id="18" name="Image 17"/>
+          <p:cNvPicPr>
+            <a:picLocks noChangeAspect="1"/>
+          </p:cNvPicPr>
+          <p:nvPr/>
+        </p:nvPicPr>
+        <p:blipFill>
+          <a:blip r:embed="rId8">
+            <a:extLst>
+              <a:ext uri="{28A0092B-C50C-407E-A947-70E740481C1C}">
+                <a14:useLocalDpi xmlns:a14="http://schemas.microsoft.com/office/drawing/2010/main" val="0"/>
+              </a:ext>
+            </a:extLst>
+          </a:blip>
+          <a:stretch>
+            <a:fillRect/>
+          </a:stretch>
+        </p:blipFill>
+        <p:spPr>
+          <a:xfrm>
+            <a:off x="5004712" y="3413671"/>
+            <a:ext cx="2353003" cy="752580"/>
+          </a:xfrm>
+          <a:prstGeom prst="rect">
+            <a:avLst/>
+          </a:prstGeom>
+        </p:spPr>
+      </p:pic>
+      <p:pic>
+        <p:nvPicPr>
+          <p:cNvPr id="19" name="Image 18"/>
+          <p:cNvPicPr>
+            <a:picLocks noChangeAspect="1"/>
+          </p:cNvPicPr>
+          <p:nvPr/>
+        </p:nvPicPr>
+        <p:blipFill>
+          <a:blip r:embed="rId9">
+            <a:extLst>
+              <a:ext uri="{28A0092B-C50C-407E-A947-70E740481C1C}">
+                <a14:useLocalDpi xmlns:a14="http://schemas.microsoft.com/office/drawing/2010/main" val="0"/>
+              </a:ext>
+            </a:extLst>
+          </a:blip>
+          <a:stretch>
+            <a:fillRect/>
+          </a:stretch>
+        </p:blipFill>
+        <p:spPr>
+          <a:xfrm>
+            <a:off x="4780838" y="4314500"/>
+            <a:ext cx="2800741" cy="781159"/>
+          </a:xfrm>
+          <a:prstGeom prst="rect">
+            <a:avLst/>
+          </a:prstGeom>
+        </p:spPr>
+      </p:pic>
+      <p:pic>
+        <p:nvPicPr>
+          <p:cNvPr id="20" name="Image 19"/>
+          <p:cNvPicPr>
+            <a:picLocks noChangeAspect="1"/>
+          </p:cNvPicPr>
+          <p:nvPr/>
+        </p:nvPicPr>
+        <p:blipFill>
+          <a:blip r:embed="rId5">
+            <a:extLst>
+              <a:ext uri="{28A0092B-C50C-407E-A947-70E740481C1C}">
+                <a14:useLocalDpi xmlns:a14="http://schemas.microsoft.com/office/drawing/2010/main" val="0"/>
+              </a:ext>
+            </a:extLst>
+          </a:blip>
+          <a:stretch>
+            <a:fillRect/>
+          </a:stretch>
+        </p:blipFill>
+        <p:spPr>
+          <a:xfrm>
+            <a:off x="551883" y="4277129"/>
+            <a:ext cx="3315163" cy="771633"/>
+          </a:xfrm>
+          <a:prstGeom prst="rect">
+            <a:avLst/>
+          </a:prstGeom>
+        </p:spPr>
+      </p:pic>
+      <p:pic>
+        <p:nvPicPr>
+          <p:cNvPr id="21" name="Image 20"/>
+          <p:cNvPicPr>
+            <a:picLocks noChangeAspect="1"/>
+          </p:cNvPicPr>
+          <p:nvPr/>
+        </p:nvPicPr>
+        <p:blipFill>
+          <a:blip r:embed="rId4">
+            <a:extLst>
+              <a:ext uri="{28A0092B-C50C-407E-A947-70E740481C1C}">
+                <a14:useLocalDpi xmlns:a14="http://schemas.microsoft.com/office/drawing/2010/main" val="0"/>
+              </a:ext>
+            </a:extLst>
+          </a:blip>
+          <a:stretch>
+            <a:fillRect/>
+          </a:stretch>
+        </p:blipFill>
+        <p:spPr>
+          <a:xfrm>
+            <a:off x="9311181" y="4282676"/>
+            <a:ext cx="1457528" cy="771633"/>
+          </a:xfrm>
+          <a:prstGeom prst="rect">
+            <a:avLst/>
+          </a:prstGeom>
+        </p:spPr>
+      </p:pic>
+      <p:pic>
+        <p:nvPicPr>
+          <p:cNvPr id="22" name="Image 21"/>
+          <p:cNvPicPr>
+            <a:picLocks noChangeAspect="1"/>
+          </p:cNvPicPr>
+          <p:nvPr/>
+        </p:nvPicPr>
+        <p:blipFill>
+          <a:blip r:embed="rId7">
+            <a:extLst>
+              <a:ext uri="{28A0092B-C50C-407E-A947-70E740481C1C}">
+                <a14:useLocalDpi xmlns:a14="http://schemas.microsoft.com/office/drawing/2010/main" val="0"/>
+              </a:ext>
+            </a:extLst>
+          </a:blip>
+          <a:stretch>
+            <a:fillRect/>
+          </a:stretch>
+        </p:blipFill>
+        <p:spPr>
+          <a:xfrm>
+            <a:off x="1380675" y="5128843"/>
+            <a:ext cx="1657581" cy="771633"/>
+          </a:xfrm>
+          <a:prstGeom prst="rect">
+            <a:avLst/>
+          </a:prstGeom>
+        </p:spPr>
+      </p:pic>
+      <p:pic>
+        <p:nvPicPr>
+          <p:cNvPr id="23" name="Image 22"/>
+          <p:cNvPicPr>
+            <a:picLocks noChangeAspect="1"/>
+          </p:cNvPicPr>
+          <p:nvPr/>
+        </p:nvPicPr>
+        <p:blipFill>
+          <a:blip r:embed="rId2">
+            <a:extLst>
+              <a:ext uri="{28A0092B-C50C-407E-A947-70E740481C1C}">
+                <a14:useLocalDpi xmlns:a14="http://schemas.microsoft.com/office/drawing/2010/main" val="0"/>
+              </a:ext>
+            </a:extLst>
+          </a:blip>
+          <a:stretch>
+            <a:fillRect/>
+          </a:stretch>
+        </p:blipFill>
+        <p:spPr>
+          <a:xfrm>
+            <a:off x="8602064" y="5147896"/>
+            <a:ext cx="2991267" cy="752580"/>
+          </a:xfrm>
+          <a:prstGeom prst="rect">
+            <a:avLst/>
+          </a:prstGeom>
+        </p:spPr>
+      </p:pic>
+      <p:pic>
+        <p:nvPicPr>
+          <p:cNvPr id="24" name="Image 23"/>
+          <p:cNvPicPr>
+            <a:picLocks noChangeAspect="1"/>
+          </p:cNvPicPr>
+          <p:nvPr/>
+        </p:nvPicPr>
+        <p:blipFill>
+          <a:blip r:embed="rId10">
+            <a:extLst>
+              <a:ext uri="{28A0092B-C50C-407E-A947-70E740481C1C}">
+                <a14:useLocalDpi xmlns:a14="http://schemas.microsoft.com/office/drawing/2010/main" val="0"/>
+              </a:ext>
+            </a:extLst>
+          </a:blip>
+          <a:stretch>
+            <a:fillRect/>
+          </a:stretch>
+        </p:blipFill>
+        <p:spPr>
+          <a:xfrm>
+            <a:off x="5552897" y="5160470"/>
+            <a:ext cx="1256625" cy="708378"/>
           </a:xfrm>
           <a:prstGeom prst="rect">
             <a:avLst/>
@@ -3957,517 +5785,941 @@
     </p:spTree>
     <p:extLst>
       <p:ext uri="{BB962C8B-B14F-4D97-AF65-F5344CB8AC3E}">
-        <p14:creationId xmlns:p14="http://schemas.microsoft.com/office/powerpoint/2010/main" val="1572946791"/>
+        <p14:creationId xmlns:p14="http://schemas.microsoft.com/office/powerpoint/2010/main" val="3676431456"/>
       </p:ext>
     </p:extLst>
   </p:cSld>
   <p:clrMapOvr>
     <a:masterClrMapping/>
   </p:clrMapOvr>
+  <p:transition spd="slow">
+    <p:push dir="u"/>
+  </p:transition>
   <p:timing>
     <p:tnLst>
       <p:par>
-        <p:cTn id="1" dur="indefinite" restart="never" nodeType="tmRoot"/>
+        <p:cTn id="1" dur="indefinite" restart="never" nodeType="tmRoot">
+          <p:childTnLst>
+            <p:seq concurrent="1" nextAc="seek">
+              <p:cTn id="2" dur="indefinite" nodeType="mainSeq">
+                <p:childTnLst>
+                  <p:par>
+                    <p:cTn id="3" fill="hold">
+                      <p:stCondLst>
+                        <p:cond delay="indefinite"/>
+                      </p:stCondLst>
+                      <p:childTnLst>
+                        <p:par>
+                          <p:cTn id="4" fill="hold">
+                            <p:stCondLst>
+                              <p:cond delay="0"/>
+                            </p:stCondLst>
+                            <p:childTnLst>
+                              <p:par>
+                                <p:cTn id="5" presetID="53" presetClass="entr" presetSubtype="16" fill="hold" nodeType="clickEffect">
+                                  <p:stCondLst>
+                                    <p:cond delay="0"/>
+                                  </p:stCondLst>
+                                  <p:childTnLst>
+                                    <p:set>
+                                      <p:cBhvr>
+                                        <p:cTn id="6" dur="1" fill="hold">
+                                          <p:stCondLst>
+                                            <p:cond delay="0"/>
+                                          </p:stCondLst>
+                                        </p:cTn>
+                                        <p:tgtEl>
+                                          <p:spTgt spid="16"/>
+                                        </p:tgtEl>
+                                        <p:attrNameLst>
+                                          <p:attrName>style.visibility</p:attrName>
+                                        </p:attrNameLst>
+                                      </p:cBhvr>
+                                      <p:to>
+                                        <p:strVal val="visible"/>
+                                      </p:to>
+                                    </p:set>
+                                    <p:anim calcmode="lin" valueType="num">
+                                      <p:cBhvr>
+                                        <p:cTn id="7" dur="500" fill="hold"/>
+                                        <p:tgtEl>
+                                          <p:spTgt spid="16"/>
+                                        </p:tgtEl>
+                                        <p:attrNameLst>
+                                          <p:attrName>ppt_w</p:attrName>
+                                        </p:attrNameLst>
+                                      </p:cBhvr>
+                                      <p:tavLst>
+                                        <p:tav tm="0">
+                                          <p:val>
+                                            <p:fltVal val="0"/>
+                                          </p:val>
+                                        </p:tav>
+                                        <p:tav tm="100000">
+                                          <p:val>
+                                            <p:strVal val="#ppt_w"/>
+                                          </p:val>
+                                        </p:tav>
+                                      </p:tavLst>
+                                    </p:anim>
+                                    <p:anim calcmode="lin" valueType="num">
+                                      <p:cBhvr>
+                                        <p:cTn id="8" dur="500" fill="hold"/>
+                                        <p:tgtEl>
+                                          <p:spTgt spid="16"/>
+                                        </p:tgtEl>
+                                        <p:attrNameLst>
+                                          <p:attrName>ppt_h</p:attrName>
+                                        </p:attrNameLst>
+                                      </p:cBhvr>
+                                      <p:tavLst>
+                                        <p:tav tm="0">
+                                          <p:val>
+                                            <p:fltVal val="0"/>
+                                          </p:val>
+                                        </p:tav>
+                                        <p:tav tm="100000">
+                                          <p:val>
+                                            <p:strVal val="#ppt_h"/>
+                                          </p:val>
+                                        </p:tav>
+                                      </p:tavLst>
+                                    </p:anim>
+                                    <p:animEffect transition="in" filter="fade">
+                                      <p:cBhvr>
+                                        <p:cTn id="9" dur="500"/>
+                                        <p:tgtEl>
+                                          <p:spTgt spid="16"/>
+                                        </p:tgtEl>
+                                      </p:cBhvr>
+                                    </p:animEffect>
+                                  </p:childTnLst>
+                                </p:cTn>
+                              </p:par>
+                            </p:childTnLst>
+                          </p:cTn>
+                        </p:par>
+                      </p:childTnLst>
+                    </p:cTn>
+                  </p:par>
+                  <p:par>
+                    <p:cTn id="10" fill="hold">
+                      <p:stCondLst>
+                        <p:cond delay="indefinite"/>
+                      </p:stCondLst>
+                      <p:childTnLst>
+                        <p:par>
+                          <p:cTn id="11" fill="hold">
+                            <p:stCondLst>
+                              <p:cond delay="0"/>
+                            </p:stCondLst>
+                            <p:childTnLst>
+                              <p:par>
+                                <p:cTn id="12" presetID="53" presetClass="entr" presetSubtype="16" fill="hold" nodeType="clickEffect">
+                                  <p:stCondLst>
+                                    <p:cond delay="0"/>
+                                  </p:stCondLst>
+                                  <p:childTnLst>
+                                    <p:set>
+                                      <p:cBhvr>
+                                        <p:cTn id="13" dur="1" fill="hold">
+                                          <p:stCondLst>
+                                            <p:cond delay="0"/>
+                                          </p:stCondLst>
+                                        </p:cTn>
+                                        <p:tgtEl>
+                                          <p:spTgt spid="17"/>
+                                        </p:tgtEl>
+                                        <p:attrNameLst>
+                                          <p:attrName>style.visibility</p:attrName>
+                                        </p:attrNameLst>
+                                      </p:cBhvr>
+                                      <p:to>
+                                        <p:strVal val="visible"/>
+                                      </p:to>
+                                    </p:set>
+                                    <p:anim calcmode="lin" valueType="num">
+                                      <p:cBhvr>
+                                        <p:cTn id="14" dur="500" fill="hold"/>
+                                        <p:tgtEl>
+                                          <p:spTgt spid="17"/>
+                                        </p:tgtEl>
+                                        <p:attrNameLst>
+                                          <p:attrName>ppt_w</p:attrName>
+                                        </p:attrNameLst>
+                                      </p:cBhvr>
+                                      <p:tavLst>
+                                        <p:tav tm="0">
+                                          <p:val>
+                                            <p:fltVal val="0"/>
+                                          </p:val>
+                                        </p:tav>
+                                        <p:tav tm="100000">
+                                          <p:val>
+                                            <p:strVal val="#ppt_w"/>
+                                          </p:val>
+                                        </p:tav>
+                                      </p:tavLst>
+                                    </p:anim>
+                                    <p:anim calcmode="lin" valueType="num">
+                                      <p:cBhvr>
+                                        <p:cTn id="15" dur="500" fill="hold"/>
+                                        <p:tgtEl>
+                                          <p:spTgt spid="17"/>
+                                        </p:tgtEl>
+                                        <p:attrNameLst>
+                                          <p:attrName>ppt_h</p:attrName>
+                                        </p:attrNameLst>
+                                      </p:cBhvr>
+                                      <p:tavLst>
+                                        <p:tav tm="0">
+                                          <p:val>
+                                            <p:fltVal val="0"/>
+                                          </p:val>
+                                        </p:tav>
+                                        <p:tav tm="100000">
+                                          <p:val>
+                                            <p:strVal val="#ppt_h"/>
+                                          </p:val>
+                                        </p:tav>
+                                      </p:tavLst>
+                                    </p:anim>
+                                    <p:animEffect transition="in" filter="fade">
+                                      <p:cBhvr>
+                                        <p:cTn id="16" dur="500"/>
+                                        <p:tgtEl>
+                                          <p:spTgt spid="17"/>
+                                        </p:tgtEl>
+                                      </p:cBhvr>
+                                    </p:animEffect>
+                                  </p:childTnLst>
+                                </p:cTn>
+                              </p:par>
+                            </p:childTnLst>
+                          </p:cTn>
+                        </p:par>
+                      </p:childTnLst>
+                    </p:cTn>
+                  </p:par>
+                  <p:par>
+                    <p:cTn id="17" fill="hold">
+                      <p:stCondLst>
+                        <p:cond delay="indefinite"/>
+                      </p:stCondLst>
+                      <p:childTnLst>
+                        <p:par>
+                          <p:cTn id="18" fill="hold">
+                            <p:stCondLst>
+                              <p:cond delay="0"/>
+                            </p:stCondLst>
+                            <p:childTnLst>
+                              <p:par>
+                                <p:cTn id="19" presetID="53" presetClass="entr" presetSubtype="16" fill="hold" nodeType="clickEffect">
+                                  <p:stCondLst>
+                                    <p:cond delay="0"/>
+                                  </p:stCondLst>
+                                  <p:childTnLst>
+                                    <p:set>
+                                      <p:cBhvr>
+                                        <p:cTn id="20" dur="1" fill="hold">
+                                          <p:stCondLst>
+                                            <p:cond delay="0"/>
+                                          </p:stCondLst>
+                                        </p:cTn>
+                                        <p:tgtEl>
+                                          <p:spTgt spid="18"/>
+                                        </p:tgtEl>
+                                        <p:attrNameLst>
+                                          <p:attrName>style.visibility</p:attrName>
+                                        </p:attrNameLst>
+                                      </p:cBhvr>
+                                      <p:to>
+                                        <p:strVal val="visible"/>
+                                      </p:to>
+                                    </p:set>
+                                    <p:anim calcmode="lin" valueType="num">
+                                      <p:cBhvr>
+                                        <p:cTn id="21" dur="500" fill="hold"/>
+                                        <p:tgtEl>
+                                          <p:spTgt spid="18"/>
+                                        </p:tgtEl>
+                                        <p:attrNameLst>
+                                          <p:attrName>ppt_w</p:attrName>
+                                        </p:attrNameLst>
+                                      </p:cBhvr>
+                                      <p:tavLst>
+                                        <p:tav tm="0">
+                                          <p:val>
+                                            <p:fltVal val="0"/>
+                                          </p:val>
+                                        </p:tav>
+                                        <p:tav tm="100000">
+                                          <p:val>
+                                            <p:strVal val="#ppt_w"/>
+                                          </p:val>
+                                        </p:tav>
+                                      </p:tavLst>
+                                    </p:anim>
+                                    <p:anim calcmode="lin" valueType="num">
+                                      <p:cBhvr>
+                                        <p:cTn id="22" dur="500" fill="hold"/>
+                                        <p:tgtEl>
+                                          <p:spTgt spid="18"/>
+                                        </p:tgtEl>
+                                        <p:attrNameLst>
+                                          <p:attrName>ppt_h</p:attrName>
+                                        </p:attrNameLst>
+                                      </p:cBhvr>
+                                      <p:tavLst>
+                                        <p:tav tm="0">
+                                          <p:val>
+                                            <p:fltVal val="0"/>
+                                          </p:val>
+                                        </p:tav>
+                                        <p:tav tm="100000">
+                                          <p:val>
+                                            <p:strVal val="#ppt_h"/>
+                                          </p:val>
+                                        </p:tav>
+                                      </p:tavLst>
+                                    </p:anim>
+                                    <p:animEffect transition="in" filter="fade">
+                                      <p:cBhvr>
+                                        <p:cTn id="23" dur="500"/>
+                                        <p:tgtEl>
+                                          <p:spTgt spid="18"/>
+                                        </p:tgtEl>
+                                      </p:cBhvr>
+                                    </p:animEffect>
+                                  </p:childTnLst>
+                                </p:cTn>
+                              </p:par>
+                            </p:childTnLst>
+                          </p:cTn>
+                        </p:par>
+                      </p:childTnLst>
+                    </p:cTn>
+                  </p:par>
+                  <p:par>
+                    <p:cTn id="24" fill="hold">
+                      <p:stCondLst>
+                        <p:cond delay="indefinite"/>
+                      </p:stCondLst>
+                      <p:childTnLst>
+                        <p:par>
+                          <p:cTn id="25" fill="hold">
+                            <p:stCondLst>
+                              <p:cond delay="0"/>
+                            </p:stCondLst>
+                            <p:childTnLst>
+                              <p:par>
+                                <p:cTn id="26" presetID="53" presetClass="entr" presetSubtype="16" fill="hold" nodeType="clickEffect">
+                                  <p:stCondLst>
+                                    <p:cond delay="0"/>
+                                  </p:stCondLst>
+                                  <p:childTnLst>
+                                    <p:set>
+                                      <p:cBhvr>
+                                        <p:cTn id="27" dur="1" fill="hold">
+                                          <p:stCondLst>
+                                            <p:cond delay="0"/>
+                                          </p:stCondLst>
+                                        </p:cTn>
+                                        <p:tgtEl>
+                                          <p:spTgt spid="19"/>
+                                        </p:tgtEl>
+                                        <p:attrNameLst>
+                                          <p:attrName>style.visibility</p:attrName>
+                                        </p:attrNameLst>
+                                      </p:cBhvr>
+                                      <p:to>
+                                        <p:strVal val="visible"/>
+                                      </p:to>
+                                    </p:set>
+                                    <p:anim calcmode="lin" valueType="num">
+                                      <p:cBhvr>
+                                        <p:cTn id="28" dur="500" fill="hold"/>
+                                        <p:tgtEl>
+                                          <p:spTgt spid="19"/>
+                                        </p:tgtEl>
+                                        <p:attrNameLst>
+                                          <p:attrName>ppt_w</p:attrName>
+                                        </p:attrNameLst>
+                                      </p:cBhvr>
+                                      <p:tavLst>
+                                        <p:tav tm="0">
+                                          <p:val>
+                                            <p:fltVal val="0"/>
+                                          </p:val>
+                                        </p:tav>
+                                        <p:tav tm="100000">
+                                          <p:val>
+                                            <p:strVal val="#ppt_w"/>
+                                          </p:val>
+                                        </p:tav>
+                                      </p:tavLst>
+                                    </p:anim>
+                                    <p:anim calcmode="lin" valueType="num">
+                                      <p:cBhvr>
+                                        <p:cTn id="29" dur="500" fill="hold"/>
+                                        <p:tgtEl>
+                                          <p:spTgt spid="19"/>
+                                        </p:tgtEl>
+                                        <p:attrNameLst>
+                                          <p:attrName>ppt_h</p:attrName>
+                                        </p:attrNameLst>
+                                      </p:cBhvr>
+                                      <p:tavLst>
+                                        <p:tav tm="0">
+                                          <p:val>
+                                            <p:fltVal val="0"/>
+                                          </p:val>
+                                        </p:tav>
+                                        <p:tav tm="100000">
+                                          <p:val>
+                                            <p:strVal val="#ppt_h"/>
+                                          </p:val>
+                                        </p:tav>
+                                      </p:tavLst>
+                                    </p:anim>
+                                    <p:animEffect transition="in" filter="fade">
+                                      <p:cBhvr>
+                                        <p:cTn id="30" dur="500"/>
+                                        <p:tgtEl>
+                                          <p:spTgt spid="19"/>
+                                        </p:tgtEl>
+                                      </p:cBhvr>
+                                    </p:animEffect>
+                                  </p:childTnLst>
+                                </p:cTn>
+                              </p:par>
+                            </p:childTnLst>
+                          </p:cTn>
+                        </p:par>
+                      </p:childTnLst>
+                    </p:cTn>
+                  </p:par>
+                  <p:par>
+                    <p:cTn id="31" fill="hold">
+                      <p:stCondLst>
+                        <p:cond delay="indefinite"/>
+                      </p:stCondLst>
+                      <p:childTnLst>
+                        <p:par>
+                          <p:cTn id="32" fill="hold">
+                            <p:stCondLst>
+                              <p:cond delay="0"/>
+                            </p:stCondLst>
+                            <p:childTnLst>
+                              <p:par>
+                                <p:cTn id="33" presetID="53" presetClass="entr" presetSubtype="16" fill="hold" nodeType="clickEffect">
+                                  <p:stCondLst>
+                                    <p:cond delay="0"/>
+                                  </p:stCondLst>
+                                  <p:childTnLst>
+                                    <p:set>
+                                      <p:cBhvr>
+                                        <p:cTn id="34" dur="1" fill="hold">
+                                          <p:stCondLst>
+                                            <p:cond delay="0"/>
+                                          </p:stCondLst>
+                                        </p:cTn>
+                                        <p:tgtEl>
+                                          <p:spTgt spid="20"/>
+                                        </p:tgtEl>
+                                        <p:attrNameLst>
+                                          <p:attrName>style.visibility</p:attrName>
+                                        </p:attrNameLst>
+                                      </p:cBhvr>
+                                      <p:to>
+                                        <p:strVal val="visible"/>
+                                      </p:to>
+                                    </p:set>
+                                    <p:anim calcmode="lin" valueType="num">
+                                      <p:cBhvr>
+                                        <p:cTn id="35" dur="500" fill="hold"/>
+                                        <p:tgtEl>
+                                          <p:spTgt spid="20"/>
+                                        </p:tgtEl>
+                                        <p:attrNameLst>
+                                          <p:attrName>ppt_w</p:attrName>
+                                        </p:attrNameLst>
+                                      </p:cBhvr>
+                                      <p:tavLst>
+                                        <p:tav tm="0">
+                                          <p:val>
+                                            <p:fltVal val="0"/>
+                                          </p:val>
+                                        </p:tav>
+                                        <p:tav tm="100000">
+                                          <p:val>
+                                            <p:strVal val="#ppt_w"/>
+                                          </p:val>
+                                        </p:tav>
+                                      </p:tavLst>
+                                    </p:anim>
+                                    <p:anim calcmode="lin" valueType="num">
+                                      <p:cBhvr>
+                                        <p:cTn id="36" dur="500" fill="hold"/>
+                                        <p:tgtEl>
+                                          <p:spTgt spid="20"/>
+                                        </p:tgtEl>
+                                        <p:attrNameLst>
+                                          <p:attrName>ppt_h</p:attrName>
+                                        </p:attrNameLst>
+                                      </p:cBhvr>
+                                      <p:tavLst>
+                                        <p:tav tm="0">
+                                          <p:val>
+                                            <p:fltVal val="0"/>
+                                          </p:val>
+                                        </p:tav>
+                                        <p:tav tm="100000">
+                                          <p:val>
+                                            <p:strVal val="#ppt_h"/>
+                                          </p:val>
+                                        </p:tav>
+                                      </p:tavLst>
+                                    </p:anim>
+                                    <p:animEffect transition="in" filter="fade">
+                                      <p:cBhvr>
+                                        <p:cTn id="37" dur="500"/>
+                                        <p:tgtEl>
+                                          <p:spTgt spid="20"/>
+                                        </p:tgtEl>
+                                      </p:cBhvr>
+                                    </p:animEffect>
+                                  </p:childTnLst>
+                                </p:cTn>
+                              </p:par>
+                            </p:childTnLst>
+                          </p:cTn>
+                        </p:par>
+                      </p:childTnLst>
+                    </p:cTn>
+                  </p:par>
+                  <p:par>
+                    <p:cTn id="38" fill="hold">
+                      <p:stCondLst>
+                        <p:cond delay="indefinite"/>
+                      </p:stCondLst>
+                      <p:childTnLst>
+                        <p:par>
+                          <p:cTn id="39" fill="hold">
+                            <p:stCondLst>
+                              <p:cond delay="0"/>
+                            </p:stCondLst>
+                            <p:childTnLst>
+                              <p:par>
+                                <p:cTn id="40" presetID="53" presetClass="entr" presetSubtype="16" fill="hold" nodeType="clickEffect">
+                                  <p:stCondLst>
+                                    <p:cond delay="0"/>
+                                  </p:stCondLst>
+                                  <p:childTnLst>
+                                    <p:set>
+                                      <p:cBhvr>
+                                        <p:cTn id="41" dur="1" fill="hold">
+                                          <p:stCondLst>
+                                            <p:cond delay="0"/>
+                                          </p:stCondLst>
+                                        </p:cTn>
+                                        <p:tgtEl>
+                                          <p:spTgt spid="21"/>
+                                        </p:tgtEl>
+                                        <p:attrNameLst>
+                                          <p:attrName>style.visibility</p:attrName>
+                                        </p:attrNameLst>
+                                      </p:cBhvr>
+                                      <p:to>
+                                        <p:strVal val="visible"/>
+                                      </p:to>
+                                    </p:set>
+                                    <p:anim calcmode="lin" valueType="num">
+                                      <p:cBhvr>
+                                        <p:cTn id="42" dur="500" fill="hold"/>
+                                        <p:tgtEl>
+                                          <p:spTgt spid="21"/>
+                                        </p:tgtEl>
+                                        <p:attrNameLst>
+                                          <p:attrName>ppt_w</p:attrName>
+                                        </p:attrNameLst>
+                                      </p:cBhvr>
+                                      <p:tavLst>
+                                        <p:tav tm="0">
+                                          <p:val>
+                                            <p:fltVal val="0"/>
+                                          </p:val>
+                                        </p:tav>
+                                        <p:tav tm="100000">
+                                          <p:val>
+                                            <p:strVal val="#ppt_w"/>
+                                          </p:val>
+                                        </p:tav>
+                                      </p:tavLst>
+                                    </p:anim>
+                                    <p:anim calcmode="lin" valueType="num">
+                                      <p:cBhvr>
+                                        <p:cTn id="43" dur="500" fill="hold"/>
+                                        <p:tgtEl>
+                                          <p:spTgt spid="21"/>
+                                        </p:tgtEl>
+                                        <p:attrNameLst>
+                                          <p:attrName>ppt_h</p:attrName>
+                                        </p:attrNameLst>
+                                      </p:cBhvr>
+                                      <p:tavLst>
+                                        <p:tav tm="0">
+                                          <p:val>
+                                            <p:fltVal val="0"/>
+                                          </p:val>
+                                        </p:tav>
+                                        <p:tav tm="100000">
+                                          <p:val>
+                                            <p:strVal val="#ppt_h"/>
+                                          </p:val>
+                                        </p:tav>
+                                      </p:tavLst>
+                                    </p:anim>
+                                    <p:animEffect transition="in" filter="fade">
+                                      <p:cBhvr>
+                                        <p:cTn id="44" dur="500"/>
+                                        <p:tgtEl>
+                                          <p:spTgt spid="21"/>
+                                        </p:tgtEl>
+                                      </p:cBhvr>
+                                    </p:animEffect>
+                                  </p:childTnLst>
+                                </p:cTn>
+                              </p:par>
+                            </p:childTnLst>
+                          </p:cTn>
+                        </p:par>
+                      </p:childTnLst>
+                    </p:cTn>
+                  </p:par>
+                  <p:par>
+                    <p:cTn id="45" fill="hold">
+                      <p:stCondLst>
+                        <p:cond delay="indefinite"/>
+                      </p:stCondLst>
+                      <p:childTnLst>
+                        <p:par>
+                          <p:cTn id="46" fill="hold">
+                            <p:stCondLst>
+                              <p:cond delay="0"/>
+                            </p:stCondLst>
+                            <p:childTnLst>
+                              <p:par>
+                                <p:cTn id="47" presetID="53" presetClass="entr" presetSubtype="16" fill="hold" nodeType="clickEffect">
+                                  <p:stCondLst>
+                                    <p:cond delay="0"/>
+                                  </p:stCondLst>
+                                  <p:childTnLst>
+                                    <p:set>
+                                      <p:cBhvr>
+                                        <p:cTn id="48" dur="1" fill="hold">
+                                          <p:stCondLst>
+                                            <p:cond delay="0"/>
+                                          </p:stCondLst>
+                                        </p:cTn>
+                                        <p:tgtEl>
+                                          <p:spTgt spid="22"/>
+                                        </p:tgtEl>
+                                        <p:attrNameLst>
+                                          <p:attrName>style.visibility</p:attrName>
+                                        </p:attrNameLst>
+                                      </p:cBhvr>
+                                      <p:to>
+                                        <p:strVal val="visible"/>
+                                      </p:to>
+                                    </p:set>
+                                    <p:anim calcmode="lin" valueType="num">
+                                      <p:cBhvr>
+                                        <p:cTn id="49" dur="500" fill="hold"/>
+                                        <p:tgtEl>
+                                          <p:spTgt spid="22"/>
+                                        </p:tgtEl>
+                                        <p:attrNameLst>
+                                          <p:attrName>ppt_w</p:attrName>
+                                        </p:attrNameLst>
+                                      </p:cBhvr>
+                                      <p:tavLst>
+                                        <p:tav tm="0">
+                                          <p:val>
+                                            <p:fltVal val="0"/>
+                                          </p:val>
+                                        </p:tav>
+                                        <p:tav tm="100000">
+                                          <p:val>
+                                            <p:strVal val="#ppt_w"/>
+                                          </p:val>
+                                        </p:tav>
+                                      </p:tavLst>
+                                    </p:anim>
+                                    <p:anim calcmode="lin" valueType="num">
+                                      <p:cBhvr>
+                                        <p:cTn id="50" dur="500" fill="hold"/>
+                                        <p:tgtEl>
+                                          <p:spTgt spid="22"/>
+                                        </p:tgtEl>
+                                        <p:attrNameLst>
+                                          <p:attrName>ppt_h</p:attrName>
+                                        </p:attrNameLst>
+                                      </p:cBhvr>
+                                      <p:tavLst>
+                                        <p:tav tm="0">
+                                          <p:val>
+                                            <p:fltVal val="0"/>
+                                          </p:val>
+                                        </p:tav>
+                                        <p:tav tm="100000">
+                                          <p:val>
+                                            <p:strVal val="#ppt_h"/>
+                                          </p:val>
+                                        </p:tav>
+                                      </p:tavLst>
+                                    </p:anim>
+                                    <p:animEffect transition="in" filter="fade">
+                                      <p:cBhvr>
+                                        <p:cTn id="51" dur="500"/>
+                                        <p:tgtEl>
+                                          <p:spTgt spid="22"/>
+                                        </p:tgtEl>
+                                      </p:cBhvr>
+                                    </p:animEffect>
+                                  </p:childTnLst>
+                                </p:cTn>
+                              </p:par>
+                            </p:childTnLst>
+                          </p:cTn>
+                        </p:par>
+                      </p:childTnLst>
+                    </p:cTn>
+                  </p:par>
+                  <p:par>
+                    <p:cTn id="52" fill="hold">
+                      <p:stCondLst>
+                        <p:cond delay="indefinite"/>
+                      </p:stCondLst>
+                      <p:childTnLst>
+                        <p:par>
+                          <p:cTn id="53" fill="hold">
+                            <p:stCondLst>
+                              <p:cond delay="0"/>
+                            </p:stCondLst>
+                            <p:childTnLst>
+                              <p:par>
+                                <p:cTn id="54" presetID="53" presetClass="entr" presetSubtype="16" fill="hold" nodeType="clickEffect">
+                                  <p:stCondLst>
+                                    <p:cond delay="0"/>
+                                  </p:stCondLst>
+                                  <p:childTnLst>
+                                    <p:set>
+                                      <p:cBhvr>
+                                        <p:cTn id="55" dur="1" fill="hold">
+                                          <p:stCondLst>
+                                            <p:cond delay="0"/>
+                                          </p:stCondLst>
+                                        </p:cTn>
+                                        <p:tgtEl>
+                                          <p:spTgt spid="23"/>
+                                        </p:tgtEl>
+                                        <p:attrNameLst>
+                                          <p:attrName>style.visibility</p:attrName>
+                                        </p:attrNameLst>
+                                      </p:cBhvr>
+                                      <p:to>
+                                        <p:strVal val="visible"/>
+                                      </p:to>
+                                    </p:set>
+                                    <p:anim calcmode="lin" valueType="num">
+                                      <p:cBhvr>
+                                        <p:cTn id="56" dur="500" fill="hold"/>
+                                        <p:tgtEl>
+                                          <p:spTgt spid="23"/>
+                                        </p:tgtEl>
+                                        <p:attrNameLst>
+                                          <p:attrName>ppt_w</p:attrName>
+                                        </p:attrNameLst>
+                                      </p:cBhvr>
+                                      <p:tavLst>
+                                        <p:tav tm="0">
+                                          <p:val>
+                                            <p:fltVal val="0"/>
+                                          </p:val>
+                                        </p:tav>
+                                        <p:tav tm="100000">
+                                          <p:val>
+                                            <p:strVal val="#ppt_w"/>
+                                          </p:val>
+                                        </p:tav>
+                                      </p:tavLst>
+                                    </p:anim>
+                                    <p:anim calcmode="lin" valueType="num">
+                                      <p:cBhvr>
+                                        <p:cTn id="57" dur="500" fill="hold"/>
+                                        <p:tgtEl>
+                                          <p:spTgt spid="23"/>
+                                        </p:tgtEl>
+                                        <p:attrNameLst>
+                                          <p:attrName>ppt_h</p:attrName>
+                                        </p:attrNameLst>
+                                      </p:cBhvr>
+                                      <p:tavLst>
+                                        <p:tav tm="0">
+                                          <p:val>
+                                            <p:fltVal val="0"/>
+                                          </p:val>
+                                        </p:tav>
+                                        <p:tav tm="100000">
+                                          <p:val>
+                                            <p:strVal val="#ppt_h"/>
+                                          </p:val>
+                                        </p:tav>
+                                      </p:tavLst>
+                                    </p:anim>
+                                    <p:animEffect transition="in" filter="fade">
+                                      <p:cBhvr>
+                                        <p:cTn id="58" dur="500"/>
+                                        <p:tgtEl>
+                                          <p:spTgt spid="23"/>
+                                        </p:tgtEl>
+                                      </p:cBhvr>
+                                    </p:animEffect>
+                                  </p:childTnLst>
+                                </p:cTn>
+                              </p:par>
+                            </p:childTnLst>
+                          </p:cTn>
+                        </p:par>
+                      </p:childTnLst>
+                    </p:cTn>
+                  </p:par>
+                  <p:par>
+                    <p:cTn id="59" fill="hold">
+                      <p:stCondLst>
+                        <p:cond delay="indefinite"/>
+                      </p:stCondLst>
+                      <p:childTnLst>
+                        <p:par>
+                          <p:cTn id="60" fill="hold">
+                            <p:stCondLst>
+                              <p:cond delay="0"/>
+                            </p:stCondLst>
+                            <p:childTnLst>
+                              <p:par>
+                                <p:cTn id="61" presetID="53" presetClass="entr" presetSubtype="16" fill="hold" nodeType="clickEffect">
+                                  <p:stCondLst>
+                                    <p:cond delay="0"/>
+                                  </p:stCondLst>
+                                  <p:childTnLst>
+                                    <p:set>
+                                      <p:cBhvr>
+                                        <p:cTn id="62" dur="1" fill="hold">
+                                          <p:stCondLst>
+                                            <p:cond delay="0"/>
+                                          </p:stCondLst>
+                                        </p:cTn>
+                                        <p:tgtEl>
+                                          <p:spTgt spid="24"/>
+                                        </p:tgtEl>
+                                        <p:attrNameLst>
+                                          <p:attrName>style.visibility</p:attrName>
+                                        </p:attrNameLst>
+                                      </p:cBhvr>
+                                      <p:to>
+                                        <p:strVal val="visible"/>
+                                      </p:to>
+                                    </p:set>
+                                    <p:anim calcmode="lin" valueType="num">
+                                      <p:cBhvr>
+                                        <p:cTn id="63" dur="500" fill="hold"/>
+                                        <p:tgtEl>
+                                          <p:spTgt spid="24"/>
+                                        </p:tgtEl>
+                                        <p:attrNameLst>
+                                          <p:attrName>ppt_w</p:attrName>
+                                        </p:attrNameLst>
+                                      </p:cBhvr>
+                                      <p:tavLst>
+                                        <p:tav tm="0">
+                                          <p:val>
+                                            <p:fltVal val="0"/>
+                                          </p:val>
+                                        </p:tav>
+                                        <p:tav tm="100000">
+                                          <p:val>
+                                            <p:strVal val="#ppt_w"/>
+                                          </p:val>
+                                        </p:tav>
+                                      </p:tavLst>
+                                    </p:anim>
+                                    <p:anim calcmode="lin" valueType="num">
+                                      <p:cBhvr>
+                                        <p:cTn id="64" dur="500" fill="hold"/>
+                                        <p:tgtEl>
+                                          <p:spTgt spid="24"/>
+                                        </p:tgtEl>
+                                        <p:attrNameLst>
+                                          <p:attrName>ppt_h</p:attrName>
+                                        </p:attrNameLst>
+                                      </p:cBhvr>
+                                      <p:tavLst>
+                                        <p:tav tm="0">
+                                          <p:val>
+                                            <p:fltVal val="0"/>
+                                          </p:val>
+                                        </p:tav>
+                                        <p:tav tm="100000">
+                                          <p:val>
+                                            <p:strVal val="#ppt_h"/>
+                                          </p:val>
+                                        </p:tav>
+                                      </p:tavLst>
+                                    </p:anim>
+                                    <p:animEffect transition="in" filter="fade">
+                                      <p:cBhvr>
+                                        <p:cTn id="65" dur="500"/>
+                                        <p:tgtEl>
+                                          <p:spTgt spid="24"/>
+                                        </p:tgtEl>
+                                      </p:cBhvr>
+                                    </p:animEffect>
+                                  </p:childTnLst>
+                                </p:cTn>
+                              </p:par>
+                            </p:childTnLst>
+                          </p:cTn>
+                        </p:par>
+                      </p:childTnLst>
+                    </p:cTn>
+                  </p:par>
+                </p:childTnLst>
+              </p:cTn>
+              <p:prevCondLst>
+                <p:cond evt="onPrev" delay="0">
+                  <p:tgtEl>
+                    <p:sldTgt/>
+                  </p:tgtEl>
+                </p:cond>
+              </p:prevCondLst>
+              <p:nextCondLst>
+                <p:cond evt="onNext" delay="0">
+                  <p:tgtEl>
+                    <p:sldTgt/>
+                  </p:tgtEl>
+                </p:cond>
+              </p:nextCondLst>
+            </p:seq>
+          </p:childTnLst>
+        </p:cTn>
       </p:par>
     </p:tnLst>
   </p:timing>
 </p:sld>
 </file>
 
-<file path=ppt/slides/slide4.xml><?xml version="1.0" encoding="utf-8"?>
-<p:sld xmlns:a="http://schemas.openxmlformats.org/drawingml/2006/main" xmlns:r="http://schemas.openxmlformats.org/officeDocument/2006/relationships" xmlns:p="http://schemas.openxmlformats.org/presentationml/2006/main">
-  <p:cSld>
-    <p:spTree>
-      <p:nvGrpSpPr>
-        <p:cNvPr id="1" name=""/>
-        <p:cNvGrpSpPr/>
-        <p:nvPr/>
-      </p:nvGrpSpPr>
-      <p:grpSpPr>
-        <a:xfrm>
-          <a:off x="0" y="0"/>
-          <a:ext cx="0" cy="0"/>
-          <a:chOff x="0" y="0"/>
-          <a:chExt cx="0" cy="0"/>
-        </a:xfrm>
-      </p:grpSpPr>
-      <p:sp>
-        <p:nvSpPr>
-          <p:cNvPr id="11" name="Rectangle 8">
-            <a:extLst>
-              <a:ext uri="{FF2B5EF4-FFF2-40B4-BE49-F238E27FC236}">
-                <a16:creationId xmlns:a16="http://schemas.microsoft.com/office/drawing/2014/main" xmlns="" id="{31EC9893-997B-FAF1-44A7-86DC576C44E1}"/>
-              </a:ext>
-            </a:extLst>
-          </p:cNvPr>
-          <p:cNvSpPr>
-            <a:spLocks noChangeArrowheads="1"/>
-          </p:cNvSpPr>
-          <p:nvPr/>
-        </p:nvSpPr>
-        <p:spPr bwMode="auto">
-          <a:xfrm>
-            <a:off x="87682" y="228563"/>
-            <a:ext cx="11862927" cy="4401205"/>
-          </a:xfrm>
-          <a:prstGeom prst="rect">
-            <a:avLst/>
-          </a:prstGeom>
-          <a:noFill/>
-          <a:ln>
-            <a:noFill/>
-          </a:ln>
-          <a:effectLst/>
-          <a:extLst>
-            <a:ext uri="{909E8E84-426E-40DD-AFC4-6F175D3DCCD1}">
-              <a14:hiddenFill xmlns:a14="http://schemas.microsoft.com/office/drawing/2010/main">
-                <a:solidFill>
-                  <a:schemeClr val="accent1"/>
-                </a:solidFill>
-              </a14:hiddenFill>
-            </a:ext>
-            <a:ext uri="{91240B29-F687-4F45-9708-019B960494DF}">
-              <a14:hiddenLine xmlns:a14="http://schemas.microsoft.com/office/drawing/2010/main" w="9525">
-                <a:solidFill>
-                  <a:schemeClr val="tx1"/>
-                </a:solidFill>
-                <a:miter lim="800000"/>
-                <a:headEnd/>
-                <a:tailEnd/>
-              </a14:hiddenLine>
-            </a:ext>
-            <a:ext uri="{AF507438-7753-43E0-B8FC-AC1667EBCBE1}">
-              <a14:hiddenEffects xmlns:a14="http://schemas.microsoft.com/office/drawing/2010/main">
-                <a:effectLst>
-                  <a:outerShdw dist="35921" dir="2700000" algn="ctr" rotWithShape="0">
-                    <a:schemeClr val="bg2"/>
-                  </a:outerShdw>
-                </a:effectLst>
-              </a14:hiddenEffects>
-            </a:ext>
-          </a:extLst>
-        </p:spPr>
-        <p:txBody>
-          <a:bodyPr vert="horz" wrap="square" lIns="91440" tIns="45720" rIns="91440" bIns="45720" numCol="1" anchor="ctr" anchorCtr="0" compatLnSpc="1">
-            <a:prstTxWarp prst="textNoShape">
-              <a:avLst/>
-            </a:prstTxWarp>
-            <a:spAutoFit/>
-          </a:bodyPr>
-          <a:lstStyle>
-            <a:lvl1pPr eaLnBrk="0" fontAlgn="base" hangingPunct="0">
-              <a:spcBef>
-                <a:spcPct val="0"/>
-              </a:spcBef>
-              <a:spcAft>
-                <a:spcPct val="0"/>
-              </a:spcAft>
-              <a:tabLst>
-                <a:tab pos="2376488" algn="l"/>
-              </a:tabLst>
-              <a:defRPr>
-                <a:solidFill>
-                  <a:schemeClr val="tx1"/>
-                </a:solidFill>
-                <a:latin typeface="Arial" panose="020B0604020202020204" pitchFamily="34" charset="0"/>
-              </a:defRPr>
-            </a:lvl1pPr>
-            <a:lvl2pPr eaLnBrk="0" fontAlgn="base" hangingPunct="0">
-              <a:spcBef>
-                <a:spcPct val="0"/>
-              </a:spcBef>
-              <a:spcAft>
-                <a:spcPct val="0"/>
-              </a:spcAft>
-              <a:tabLst>
-                <a:tab pos="2376488" algn="l"/>
-              </a:tabLst>
-              <a:defRPr>
-                <a:solidFill>
-                  <a:schemeClr val="tx1"/>
-                </a:solidFill>
-                <a:latin typeface="Arial" panose="020B0604020202020204" pitchFamily="34" charset="0"/>
-              </a:defRPr>
-            </a:lvl2pPr>
-            <a:lvl3pPr eaLnBrk="0" fontAlgn="base" hangingPunct="0">
-              <a:spcBef>
-                <a:spcPct val="0"/>
-              </a:spcBef>
-              <a:spcAft>
-                <a:spcPct val="0"/>
-              </a:spcAft>
-              <a:tabLst>
-                <a:tab pos="2376488" algn="l"/>
-              </a:tabLst>
-              <a:defRPr>
-                <a:solidFill>
-                  <a:schemeClr val="tx1"/>
-                </a:solidFill>
-                <a:latin typeface="Arial" panose="020B0604020202020204" pitchFamily="34" charset="0"/>
-              </a:defRPr>
-            </a:lvl3pPr>
-            <a:lvl4pPr eaLnBrk="0" fontAlgn="base" hangingPunct="0">
-              <a:spcBef>
-                <a:spcPct val="0"/>
-              </a:spcBef>
-              <a:spcAft>
-                <a:spcPct val="0"/>
-              </a:spcAft>
-              <a:tabLst>
-                <a:tab pos="2376488" algn="l"/>
-              </a:tabLst>
-              <a:defRPr>
-                <a:solidFill>
-                  <a:schemeClr val="tx1"/>
-                </a:solidFill>
-                <a:latin typeface="Arial" panose="020B0604020202020204" pitchFamily="34" charset="0"/>
-              </a:defRPr>
-            </a:lvl4pPr>
-            <a:lvl5pPr eaLnBrk="0" fontAlgn="base" hangingPunct="0">
-              <a:spcBef>
-                <a:spcPct val="0"/>
-              </a:spcBef>
-              <a:spcAft>
-                <a:spcPct val="0"/>
-              </a:spcAft>
-              <a:tabLst>
-                <a:tab pos="2376488" algn="l"/>
-              </a:tabLst>
-              <a:defRPr>
-                <a:solidFill>
-                  <a:schemeClr val="tx1"/>
-                </a:solidFill>
-                <a:latin typeface="Arial" panose="020B0604020202020204" pitchFamily="34" charset="0"/>
-              </a:defRPr>
-            </a:lvl5pPr>
-            <a:lvl6pPr eaLnBrk="0" fontAlgn="base" hangingPunct="0">
-              <a:spcBef>
-                <a:spcPct val="0"/>
-              </a:spcBef>
-              <a:spcAft>
-                <a:spcPct val="0"/>
-              </a:spcAft>
-              <a:tabLst>
-                <a:tab pos="2376488" algn="l"/>
-              </a:tabLst>
-              <a:defRPr>
-                <a:solidFill>
-                  <a:schemeClr val="tx1"/>
-                </a:solidFill>
-                <a:latin typeface="Arial" panose="020B0604020202020204" pitchFamily="34" charset="0"/>
-              </a:defRPr>
-            </a:lvl6pPr>
-            <a:lvl7pPr eaLnBrk="0" fontAlgn="base" hangingPunct="0">
-              <a:spcBef>
-                <a:spcPct val="0"/>
-              </a:spcBef>
-              <a:spcAft>
-                <a:spcPct val="0"/>
-              </a:spcAft>
-              <a:tabLst>
-                <a:tab pos="2376488" algn="l"/>
-              </a:tabLst>
-              <a:defRPr>
-                <a:solidFill>
-                  <a:schemeClr val="tx1"/>
-                </a:solidFill>
-                <a:latin typeface="Arial" panose="020B0604020202020204" pitchFamily="34" charset="0"/>
-              </a:defRPr>
-            </a:lvl7pPr>
-            <a:lvl8pPr eaLnBrk="0" fontAlgn="base" hangingPunct="0">
-              <a:spcBef>
-                <a:spcPct val="0"/>
-              </a:spcBef>
-              <a:spcAft>
-                <a:spcPct val="0"/>
-              </a:spcAft>
-              <a:tabLst>
-                <a:tab pos="2376488" algn="l"/>
-              </a:tabLst>
-              <a:defRPr>
-                <a:solidFill>
-                  <a:schemeClr val="tx1"/>
-                </a:solidFill>
-                <a:latin typeface="Arial" panose="020B0604020202020204" pitchFamily="34" charset="0"/>
-              </a:defRPr>
-            </a:lvl8pPr>
-            <a:lvl9pPr eaLnBrk="0" fontAlgn="base" hangingPunct="0">
-              <a:spcBef>
-                <a:spcPct val="0"/>
-              </a:spcBef>
-              <a:spcAft>
-                <a:spcPct val="0"/>
-              </a:spcAft>
-              <a:tabLst>
-                <a:tab pos="2376488" algn="l"/>
-              </a:tabLst>
-              <a:defRPr>
-                <a:solidFill>
-                  <a:schemeClr val="tx1"/>
-                </a:solidFill>
-                <a:latin typeface="Arial" panose="020B0604020202020204" pitchFamily="34" charset="0"/>
-              </a:defRPr>
-            </a:lvl9pPr>
-          </a:lstStyle>
-          <a:p>
-            <a:pPr marL="457200" lvl="0" indent="-457200" algn="r" rtl="1">
-              <a:buFont typeface="Wingdings" panose="05000000000000000000" pitchFamily="2" charset="2"/>
-              <a:buChar char="Ø"/>
-            </a:pPr>
-            <a:r>
-              <a:rPr lang="ar-DZ" sz="2800" dirty="0"/>
-              <a:t>احتفظ بنفس الإعدادات على هذه التعليمة ثم لنضغط على التبويب </a:t>
-            </a:r>
-            <a:r>
-              <a:rPr lang="fr-FR" sz="2800" dirty="0"/>
-              <a:t>Diaporama</a:t>
-            </a:r>
-            <a:r>
-              <a:rPr lang="ar-DZ" sz="2800" dirty="0"/>
-              <a:t> ثم التعليمة </a:t>
-            </a:r>
-            <a:endParaRPr lang="ar-DZ" sz="2800" dirty="0" smtClean="0"/>
-          </a:p>
-          <a:p>
-            <a:pPr marL="457200" lvl="0" indent="-457200" algn="r" rtl="1">
-              <a:buFont typeface="Wingdings" panose="05000000000000000000" pitchFamily="2" charset="2"/>
-              <a:buChar char="Ø"/>
-            </a:pPr>
-            <a:r>
-              <a:rPr lang="fr-FR" sz="2800" dirty="0" smtClean="0"/>
-              <a:t>A </a:t>
-            </a:r>
-            <a:r>
-              <a:rPr lang="fr-FR" sz="2800" dirty="0"/>
-              <a:t>partir du début</a:t>
-            </a:r>
-            <a:r>
-              <a:rPr lang="ar-DZ" sz="2800" dirty="0"/>
-              <a:t> الموجودة أقصى اليسار.</a:t>
-            </a:r>
-            <a:endParaRPr lang="fr-FR" sz="2800" dirty="0"/>
-          </a:p>
-          <a:p>
-            <a:pPr marL="457200" lvl="0" indent="-457200" algn="r" rtl="1">
-              <a:buFont typeface="Wingdings" panose="05000000000000000000" pitchFamily="2" charset="2"/>
-              <a:buChar char="Ø"/>
-            </a:pPr>
-            <a:r>
-              <a:rPr lang="ar-DZ" sz="2800" dirty="0"/>
-              <a:t>برأيكم لماذا تم عرض الشريحة الأولى فقط و توقف العرض ؟</a:t>
-            </a:r>
-            <a:endParaRPr lang="fr-FR" sz="2800" dirty="0"/>
-          </a:p>
-          <a:p>
-            <a:pPr marL="457200" lvl="0" indent="-457200" algn="r" rtl="1">
-              <a:buFont typeface="Wingdings" panose="05000000000000000000" pitchFamily="2" charset="2"/>
-              <a:buChar char="Ø"/>
-            </a:pPr>
-            <a:r>
-              <a:rPr lang="ar-DZ" sz="2800" dirty="0"/>
-              <a:t>أين يجب علي الضغط لعرض الشريحة الموالية ؟</a:t>
-            </a:r>
-            <a:endParaRPr lang="fr-FR" sz="2800" dirty="0"/>
-          </a:p>
-          <a:p>
-            <a:pPr marL="457200" lvl="0" indent="-457200" algn="r" rtl="1">
-              <a:buFont typeface="Wingdings" panose="05000000000000000000" pitchFamily="2" charset="2"/>
-              <a:buChar char="Ø"/>
-            </a:pPr>
-            <a:r>
-              <a:rPr lang="ar-DZ" sz="2800" dirty="0"/>
-              <a:t>ما دور إذن الخيار </a:t>
-            </a:r>
-            <a:r>
-              <a:rPr lang="fr-FR" sz="2800" dirty="0"/>
-              <a:t>Manuellement</a:t>
-            </a:r>
-            <a:r>
-              <a:rPr lang="ar-DZ" sz="2800" dirty="0"/>
-              <a:t> ؟ </a:t>
-            </a:r>
-            <a:endParaRPr lang="fr-FR" sz="2800" dirty="0"/>
-          </a:p>
-          <a:p>
-            <a:pPr marL="457200" lvl="0" indent="-457200" algn="r" rtl="1">
-              <a:buFont typeface="Wingdings" panose="05000000000000000000" pitchFamily="2" charset="2"/>
-              <a:buChar char="Ø"/>
-            </a:pPr>
-            <a:r>
-              <a:rPr lang="ar-DZ" sz="2800" dirty="0"/>
-              <a:t>لنضغط على المفتاح </a:t>
-            </a:r>
-            <a:r>
-              <a:rPr lang="fr-FR" sz="2800" dirty="0" err="1"/>
-              <a:t>Echap</a:t>
-            </a:r>
-            <a:r>
-              <a:rPr lang="ar-DZ" sz="2800" dirty="0"/>
-              <a:t> للخروج من هذا الوضع ثم نؤشر على الخيار </a:t>
-            </a:r>
-            <a:r>
-              <a:rPr lang="fr-FR" sz="2800" dirty="0" err="1"/>
-              <a:t>Aprés</a:t>
-            </a:r>
-            <a:r>
-              <a:rPr lang="ar-DZ" sz="2800" dirty="0"/>
-              <a:t>  و نختار </a:t>
-            </a:r>
-            <a:r>
-              <a:rPr lang="fr-FR" sz="2800" dirty="0"/>
-              <a:t>00:02,00</a:t>
-            </a:r>
-            <a:r>
-              <a:rPr lang="ar-DZ" sz="2800" dirty="0"/>
-              <a:t> مثلا</a:t>
-            </a:r>
-            <a:endParaRPr lang="fr-FR" sz="2800" dirty="0"/>
-          </a:p>
-          <a:p>
-            <a:pPr marL="457200" lvl="0" indent="-457200" algn="r" rtl="1">
-              <a:buFont typeface="Wingdings" panose="05000000000000000000" pitchFamily="2" charset="2"/>
-              <a:buChar char="Ø"/>
-            </a:pPr>
-            <a:r>
-              <a:rPr lang="ar-DZ" sz="2800" dirty="0"/>
-              <a:t>نعيد الضغط على التبويب </a:t>
-            </a:r>
-            <a:r>
-              <a:rPr lang="fr-FR" sz="2800" dirty="0"/>
-              <a:t>Diaporama</a:t>
-            </a:r>
-            <a:r>
-              <a:rPr lang="ar-DZ" sz="2800" dirty="0"/>
-              <a:t> ثم التعليمة </a:t>
-            </a:r>
-            <a:r>
-              <a:rPr lang="fr-FR" sz="2800" dirty="0"/>
-              <a:t>A partir du début </a:t>
-            </a:r>
-          </a:p>
-          <a:p>
-            <a:pPr marL="457200" lvl="0" indent="-457200" algn="r" rtl="1">
-              <a:buFont typeface="Wingdings" panose="05000000000000000000" pitchFamily="2" charset="2"/>
-              <a:buChar char="Ø"/>
-            </a:pPr>
-            <a:r>
-              <a:rPr lang="ar-DZ" sz="2800" dirty="0"/>
-              <a:t>ما التغيير الذي طرأ ؟  ما دور الخيار </a:t>
-            </a:r>
-            <a:r>
-              <a:rPr lang="fr-FR" sz="2800" dirty="0" err="1"/>
-              <a:t>Aprés</a:t>
-            </a:r>
-            <a:r>
-              <a:rPr lang="ar-DZ" sz="2800" dirty="0"/>
-              <a:t> ؟</a:t>
-            </a:r>
-            <a:endParaRPr lang="fr-FR" sz="2800" dirty="0"/>
-          </a:p>
-          <a:p>
-            <a:pPr marL="457200" indent="-457200" algn="r" rtl="1">
-              <a:buFont typeface="Wingdings" panose="05000000000000000000" pitchFamily="2" charset="2"/>
-              <a:buChar char="Ø"/>
-            </a:pPr>
-            <a:r>
-              <a:rPr lang="ar-DZ" sz="2800" dirty="0"/>
-              <a:t>ما دور التبويب </a:t>
-            </a:r>
-            <a:r>
-              <a:rPr lang="fr-FR" sz="2800" dirty="0"/>
-              <a:t>Diaporama</a:t>
-            </a:r>
-            <a:r>
-              <a:rPr lang="ar-DZ" sz="2800" dirty="0"/>
-              <a:t> إذن ؟</a:t>
-            </a:r>
-            <a:endParaRPr lang="fr-FR" sz="2000" dirty="0">
-              <a:latin typeface="Calibri" panose="020F0502020204030204" pitchFamily="34" charset="0"/>
-              <a:ea typeface="Calibri" panose="020F0502020204030204" pitchFamily="34" charset="0"/>
-              <a:cs typeface="Arial" panose="020B0604020202020204" pitchFamily="34" charset="0"/>
-            </a:endParaRPr>
-          </a:p>
-        </p:txBody>
-      </p:sp>
-      <p:sp>
-        <p:nvSpPr>
-          <p:cNvPr id="13" name="Rectangle 9">
-            <a:extLst>
-              <a:ext uri="{FF2B5EF4-FFF2-40B4-BE49-F238E27FC236}">
-                <a16:creationId xmlns:a16="http://schemas.microsoft.com/office/drawing/2014/main" xmlns="" id="{894EDA96-9226-5939-95FB-4A21ACC79E4A}"/>
-              </a:ext>
-            </a:extLst>
-          </p:cNvPr>
-          <p:cNvSpPr>
-            <a:spLocks noChangeArrowheads="1"/>
-          </p:cNvSpPr>
-          <p:nvPr/>
-        </p:nvSpPr>
-        <p:spPr bwMode="auto">
-          <a:xfrm>
-            <a:off x="0" y="960273"/>
-            <a:ext cx="0" cy="0"/>
-          </a:xfrm>
-          <a:prstGeom prst="rect">
-            <a:avLst/>
-          </a:prstGeom>
-          <a:solidFill>
-            <a:schemeClr val="accent1"/>
-          </a:solidFill>
-          <a:ln w="9525">
-            <a:solidFill>
-              <a:schemeClr val="tx1"/>
-            </a:solidFill>
-            <a:miter lim="800000"/>
-            <a:headEnd/>
-            <a:tailEnd/>
-          </a:ln>
-          <a:effectLst/>
-          <a:extLst>
-            <a:ext uri="{AF507438-7753-43E0-B8FC-AC1667EBCBE1}">
-              <a14:hiddenEffects xmlns:a14="http://schemas.microsoft.com/office/drawing/2010/main">
-                <a:effectLst>
-                  <a:outerShdw dist="35921" dir="2700000" algn="ctr" rotWithShape="0">
-                    <a:schemeClr val="bg2"/>
-                  </a:outerShdw>
-                </a:effectLst>
-              </a14:hiddenEffects>
-            </a:ext>
-          </a:extLst>
-        </p:spPr>
-        <p:txBody>
-          <a:bodyPr vert="horz" wrap="square" lIns="91440" tIns="45720" rIns="91440" bIns="45720" numCol="1" anchor="t" anchorCtr="0" compatLnSpc="1">
-            <a:prstTxWarp prst="textNoShape">
-              <a:avLst/>
-            </a:prstTxWarp>
-          </a:bodyPr>
-          <a:lstStyle/>
-          <a:p>
-            <a:endParaRPr lang="fr-FR"/>
-          </a:p>
-        </p:txBody>
-      </p:sp>
-    </p:spTree>
-    <p:extLst>
-      <p:ext uri="{BB962C8B-B14F-4D97-AF65-F5344CB8AC3E}">
-        <p14:creationId xmlns:p14="http://schemas.microsoft.com/office/powerpoint/2010/main" val="509088624"/>
-      </p:ext>
-    </p:extLst>
-  </p:cSld>
-  <p:clrMapOvr>
-    <a:masterClrMapping/>
-  </p:clrMapOvr>
-  <p:timing>
-    <p:tnLst>
-      <p:par>
-        <p:cTn id="1" dur="indefinite" restart="never" nodeType="tmRoot"/>
-      </p:par>
-    </p:tnLst>
-  </p:timing>
-</p:sld>
-</file>
-
-<file path=ppt/slides/slide5.xml><?xml version="1.0" encoding="utf-8"?>
+<file path=ppt/slides/slide6.xml><?xml version="1.0" encoding="utf-8"?>
 <p:sld xmlns:a="http://schemas.openxmlformats.org/drawingml/2006/main" xmlns:r="http://schemas.openxmlformats.org/officeDocument/2006/relationships" xmlns:p="http://schemas.openxmlformats.org/presentationml/2006/main">
   <p:cSld>
     <p:bg>
@@ -4676,8 +6928,8 @@
         </p:nvSpPr>
         <p:spPr bwMode="auto">
           <a:xfrm>
-            <a:off x="200416" y="-230832"/>
-            <a:ext cx="11761940" cy="7017306"/>
+            <a:off x="430060" y="-211871"/>
+            <a:ext cx="11761940" cy="883383"/>
           </a:xfrm>
           <a:prstGeom prst="rect">
             <a:avLst/>
@@ -4733,28 +6985,12 @@
               <a:buAutoNum type="arabicPeriod"/>
             </a:pPr>
             <a:r>
-              <a:rPr lang="ar-DZ" sz="3000" b="1" u="sng" dirty="0" err="1" smtClean="0">
-                <a:solidFill>
-                  <a:srgbClr val="FF0000"/>
-                </a:solidFill>
-              </a:rPr>
-              <a:t>الإنتقال</a:t>
-            </a:r>
-            <a:r>
               <a:rPr lang="ar-DZ" sz="3000" b="1" u="sng" dirty="0" smtClean="0">
                 <a:solidFill>
                   <a:srgbClr val="FF0000"/>
                 </a:solidFill>
               </a:rPr>
-              <a:t> </a:t>
-            </a:r>
-            <a:r>
-              <a:rPr lang="ar-DZ" sz="3000" b="1" u="sng" dirty="0">
-                <a:solidFill>
-                  <a:srgbClr val="FF0000"/>
-                </a:solidFill>
-              </a:rPr>
-              <a:t>بين الشرائح : </a:t>
+              <a:t>لبنات الصوت : </a:t>
             </a:r>
             <a:endParaRPr lang="fr-FR" sz="3000" u="sng" dirty="0">
               <a:solidFill>
@@ -4762,296 +6998,38 @@
               </a:solidFill>
             </a:endParaRPr>
           </a:p>
-          <a:p>
-            <a:pPr algn="r" rtl="1"/>
-            <a:r>
-              <a:rPr lang="ar-DZ" sz="3000" dirty="0"/>
-              <a:t>يمكن إضافة تأثيرات </a:t>
-            </a:r>
-            <a:r>
-              <a:rPr lang="ar-DZ" sz="3000" dirty="0" err="1"/>
-              <a:t>الإنتقال</a:t>
-            </a:r>
-            <a:r>
-              <a:rPr lang="ar-DZ" sz="3000" dirty="0"/>
-              <a:t> من شريحة لأخرى و ضبطها في </a:t>
-            </a:r>
-            <a:r>
-              <a:rPr lang="ar-DZ" sz="3000" dirty="0" smtClean="0"/>
-              <a:t>التبويب</a:t>
-            </a:r>
-            <a:r>
-              <a:rPr lang="fr-FR" sz="3000" dirty="0" smtClean="0"/>
-              <a:t>Transitions </a:t>
-            </a:r>
-            <a:r>
-              <a:rPr lang="ar-DZ" sz="3000" dirty="0" smtClean="0"/>
-              <a:t> بحيث </a:t>
-            </a:r>
-            <a:r>
-              <a:rPr lang="ar-DZ" sz="3000" dirty="0"/>
-              <a:t>:</a:t>
-            </a:r>
-            <a:endParaRPr lang="fr-FR" sz="3000" dirty="0"/>
-          </a:p>
-          <a:p>
-            <a:pPr marL="914400" lvl="1" indent="-457200" algn="r" rtl="1">
-              <a:buFont typeface="Arial" panose="020B0604020202020204" pitchFamily="34" charset="0"/>
-              <a:buChar char="•"/>
-            </a:pPr>
-            <a:r>
-              <a:rPr lang="ar-DZ" sz="3000" dirty="0" smtClean="0">
-                <a:solidFill>
-                  <a:srgbClr val="00B050"/>
-                </a:solidFill>
-              </a:rPr>
-              <a:t>المجموعة</a:t>
-            </a:r>
-            <a:r>
-              <a:rPr lang="fr-FR" sz="3000" dirty="0" smtClean="0">
-                <a:solidFill>
-                  <a:srgbClr val="00B050"/>
-                </a:solidFill>
-              </a:rPr>
-              <a:t> Transition </a:t>
-            </a:r>
-            <a:r>
-              <a:rPr lang="fr-FR" sz="3000" dirty="0">
-                <a:solidFill>
-                  <a:srgbClr val="00B050"/>
-                </a:solidFill>
-              </a:rPr>
-              <a:t>vers cette diapositive </a:t>
-            </a:r>
-            <a:r>
-              <a:rPr lang="ar-DZ" sz="3000" dirty="0">
-                <a:solidFill>
-                  <a:srgbClr val="00B050"/>
-                </a:solidFill>
-              </a:rPr>
-              <a:t>: </a:t>
-            </a:r>
-            <a:r>
-              <a:rPr lang="ar-DZ" sz="3000" dirty="0"/>
-              <a:t>لضبط التأثير البصري الذي يسبق ظهور هذه الشريحة</a:t>
-            </a:r>
-            <a:endParaRPr lang="fr-FR" sz="3000" dirty="0"/>
-          </a:p>
-          <a:p>
-            <a:pPr marL="914400" lvl="1" indent="-457200" algn="r" rtl="1">
-              <a:buFont typeface="Arial" panose="020B0604020202020204" pitchFamily="34" charset="0"/>
-              <a:buChar char="•"/>
-            </a:pPr>
-            <a:r>
-              <a:rPr lang="fr-FR" sz="3000" dirty="0">
-                <a:solidFill>
-                  <a:srgbClr val="00B050"/>
-                </a:solidFill>
-              </a:rPr>
-              <a:t>Son</a:t>
-            </a:r>
-            <a:r>
-              <a:rPr lang="ar-DZ" sz="3000" dirty="0">
-                <a:solidFill>
-                  <a:srgbClr val="00B050"/>
-                </a:solidFill>
-              </a:rPr>
-              <a:t> : </a:t>
-            </a:r>
-            <a:r>
-              <a:rPr lang="ar-DZ" sz="3000" dirty="0"/>
-              <a:t>ضبط الصوت المصاحب لظهور الشريحة</a:t>
-            </a:r>
-            <a:endParaRPr lang="fr-FR" sz="3000" dirty="0"/>
-          </a:p>
-          <a:p>
-            <a:pPr marL="914400" lvl="1" indent="-457200" algn="r" rtl="1">
-              <a:buFont typeface="Arial" panose="020B0604020202020204" pitchFamily="34" charset="0"/>
-              <a:buChar char="•"/>
-            </a:pPr>
-            <a:r>
-              <a:rPr lang="fr-FR" sz="3000" dirty="0">
-                <a:solidFill>
-                  <a:srgbClr val="00B050"/>
-                </a:solidFill>
-              </a:rPr>
-              <a:t>Durée</a:t>
-            </a:r>
-            <a:r>
-              <a:rPr lang="ar-DZ" sz="3000" dirty="0">
-                <a:solidFill>
-                  <a:srgbClr val="00B050"/>
-                </a:solidFill>
-              </a:rPr>
-              <a:t> : </a:t>
-            </a:r>
-            <a:r>
-              <a:rPr lang="ar-DZ" sz="3000" dirty="0"/>
-              <a:t>ضبط الزمن الذي تستغرقه الشريحة للظهور</a:t>
-            </a:r>
-            <a:endParaRPr lang="fr-FR" sz="3000" dirty="0"/>
-          </a:p>
-          <a:p>
-            <a:pPr marL="914400" lvl="1" indent="-457200" algn="r" rtl="1">
-              <a:buFont typeface="Arial" panose="020B0604020202020204" pitchFamily="34" charset="0"/>
-              <a:buChar char="•"/>
-            </a:pPr>
-            <a:r>
-              <a:rPr lang="fr-FR" sz="3000" dirty="0">
-                <a:solidFill>
-                  <a:srgbClr val="00B050"/>
-                </a:solidFill>
-              </a:rPr>
-              <a:t>Manuellement</a:t>
-            </a:r>
-            <a:r>
-              <a:rPr lang="ar-DZ" sz="3000" dirty="0">
-                <a:solidFill>
-                  <a:srgbClr val="00B050"/>
-                </a:solidFill>
-              </a:rPr>
-              <a:t> :</a:t>
-            </a:r>
-            <a:r>
-              <a:rPr lang="ar-DZ" sz="3000" dirty="0"/>
-              <a:t> </a:t>
-            </a:r>
-            <a:r>
-              <a:rPr lang="ar-DZ" sz="3000" dirty="0" err="1"/>
-              <a:t>الإنتقال</a:t>
-            </a:r>
-            <a:r>
-              <a:rPr lang="ar-DZ" sz="3000" dirty="0"/>
-              <a:t> إلى الشريحة الموالية يدويا (بالضغط على أسهم لوحة المفاتيح)</a:t>
-            </a:r>
-            <a:endParaRPr lang="fr-FR" sz="3000" dirty="0"/>
-          </a:p>
-          <a:p>
-            <a:pPr marL="914400" lvl="1" indent="-457200" algn="r" rtl="1">
-              <a:buFont typeface="Arial" panose="020B0604020202020204" pitchFamily="34" charset="0"/>
-              <a:buChar char="•"/>
-            </a:pPr>
-            <a:r>
-              <a:rPr lang="fr-FR" sz="3000" dirty="0" err="1">
-                <a:solidFill>
-                  <a:srgbClr val="00B050"/>
-                </a:solidFill>
-              </a:rPr>
-              <a:t>Aprés</a:t>
-            </a:r>
-            <a:r>
-              <a:rPr lang="ar-DZ" sz="3000" dirty="0">
-                <a:solidFill>
-                  <a:srgbClr val="00B050"/>
-                </a:solidFill>
-              </a:rPr>
-              <a:t> : </a:t>
-            </a:r>
-            <a:r>
-              <a:rPr lang="ar-DZ" sz="3000" dirty="0" err="1"/>
-              <a:t>الإنتقال</a:t>
-            </a:r>
-            <a:r>
-              <a:rPr lang="ar-DZ" sz="3000" dirty="0"/>
-              <a:t> إلى الشريحة الموالية تلقائيا بعد مرور مدة زمنية يحددها المستخدم.</a:t>
-            </a:r>
-            <a:endParaRPr lang="fr-FR" sz="3000" dirty="0"/>
-          </a:p>
-          <a:p>
-            <a:pPr algn="r" rtl="1"/>
-            <a:r>
-              <a:rPr lang="ar-DZ" sz="3000" dirty="0"/>
-              <a:t> </a:t>
-            </a:r>
-            <a:endParaRPr lang="fr-FR" sz="3000" dirty="0"/>
-          </a:p>
-          <a:p>
-            <a:pPr algn="r" rtl="1"/>
-            <a:r>
-              <a:rPr lang="ar-DZ" sz="3000" b="1" u="sng" dirty="0" smtClean="0">
-                <a:solidFill>
-                  <a:srgbClr val="FF0000"/>
-                </a:solidFill>
-              </a:rPr>
-              <a:t>ملاحظات</a:t>
-            </a:r>
-            <a:r>
-              <a:rPr lang="fr-FR" sz="3000" b="1" u="sng" dirty="0" smtClean="0">
-                <a:solidFill>
-                  <a:srgbClr val="FF0000"/>
-                </a:solidFill>
-              </a:rPr>
-              <a:t> </a:t>
-            </a:r>
-            <a:r>
-              <a:rPr lang="ar-DZ" sz="3000" b="1" u="sng" dirty="0" smtClean="0">
-                <a:solidFill>
-                  <a:srgbClr val="FF0000"/>
-                </a:solidFill>
-              </a:rPr>
-              <a:t>:</a:t>
-            </a:r>
-            <a:endParaRPr lang="fr-FR" sz="3000" dirty="0">
-              <a:solidFill>
-                <a:srgbClr val="FF0000"/>
-              </a:solidFill>
-            </a:endParaRPr>
-          </a:p>
-          <a:p>
-            <a:pPr marL="457200" lvl="0" indent="-457200" algn="r" rtl="1">
-              <a:buFont typeface="Arial" panose="020B0604020202020204" pitchFamily="34" charset="0"/>
-              <a:buChar char="•"/>
-            </a:pPr>
-            <a:r>
-              <a:rPr lang="ar-DZ" sz="3000" dirty="0"/>
-              <a:t>لتشغيل الوضع "العرض الكامل" ننقر على التبويب </a:t>
-            </a:r>
-            <a:r>
-              <a:rPr lang="fr-FR" sz="3000" dirty="0"/>
-              <a:t>Diaporama</a:t>
-            </a:r>
-            <a:r>
-              <a:rPr lang="ar-DZ" sz="3000" dirty="0"/>
-              <a:t> ثم </a:t>
-            </a:r>
-            <a:r>
-              <a:rPr lang="ar-DZ" sz="3000" dirty="0" smtClean="0"/>
-              <a:t>نختار</a:t>
-            </a:r>
-          </a:p>
-          <a:p>
-            <a:pPr lvl="1" algn="r" rtl="1"/>
-            <a:r>
-              <a:rPr lang="fr-FR" sz="3000" dirty="0" smtClean="0"/>
-              <a:t>A </a:t>
-            </a:r>
-            <a:r>
-              <a:rPr lang="fr-FR" sz="3000" dirty="0"/>
-              <a:t>partir du </a:t>
-            </a:r>
-            <a:r>
-              <a:rPr lang="fr-FR" sz="3000" dirty="0" smtClean="0"/>
-              <a:t>début</a:t>
-            </a:r>
-            <a:endParaRPr lang="fr-FR" sz="3000" dirty="0"/>
-          </a:p>
-          <a:p>
-            <a:pPr marL="457200" lvl="0" indent="-457200" algn="r" rtl="1">
-              <a:buFont typeface="Arial" panose="020B0604020202020204" pitchFamily="34" charset="0"/>
-              <a:buChar char="•"/>
-            </a:pPr>
-            <a:r>
-              <a:rPr lang="ar-DZ" sz="3000" dirty="0"/>
-              <a:t>للخروج من الوضع "العرض الكامل" نضغط على المفتاح </a:t>
-            </a:r>
-            <a:r>
-              <a:rPr lang="fr-FR" sz="3000" dirty="0" err="1"/>
-              <a:t>Echap</a:t>
-            </a:r>
-            <a:endParaRPr lang="fr-FR" sz="3000" dirty="0"/>
-          </a:p>
-        </p:txBody>
-      </p:sp>
+        </p:txBody>
+      </p:sp>
+      <p:pic>
+        <p:nvPicPr>
+          <p:cNvPr id="5" name="Image 4"/>
+          <p:cNvPicPr>
+            <a:picLocks noChangeAspect="1"/>
+          </p:cNvPicPr>
+          <p:nvPr/>
+        </p:nvPicPr>
+        <p:blipFill>
+          <a:blip r:embed="rId3">
+            <a:extLst>
+              <a:ext uri="{28A0092B-C50C-407E-A947-70E740481C1C}">
+                <a14:useLocalDpi xmlns:a14="http://schemas.microsoft.com/office/drawing/2010/main" val="0"/>
+              </a:ext>
+            </a:extLst>
+          </a:blip>
+          <a:stretch>
+            <a:fillRect/>
+          </a:stretch>
+        </p:blipFill>
+        <p:spPr>
+          <a:xfrm>
+            <a:off x="246743" y="149954"/>
+            <a:ext cx="9347199" cy="6570160"/>
+          </a:xfrm>
+          <a:prstGeom prst="rect">
+            <a:avLst/>
+          </a:prstGeom>
+        </p:spPr>
+      </p:pic>
     </p:spTree>
     <p:extLst>
       <p:ext uri="{BB962C8B-B14F-4D97-AF65-F5344CB8AC3E}">
@@ -5075,7 +7053,7 @@
 </p:sld>
 </file>
 
-<file path=ppt/slides/slide6.xml><?xml version="1.0" encoding="utf-8"?>
+<file path=ppt/slides/slide7.xml><?xml version="1.0" encoding="utf-8"?>
 <p:sld xmlns:a="http://schemas.openxmlformats.org/drawingml/2006/main" xmlns:r="http://schemas.openxmlformats.org/officeDocument/2006/relationships" xmlns:p="http://schemas.openxmlformats.org/presentationml/2006/main">
   <p:cSld>
     <p:spTree>
@@ -5181,407 +7159,36 @@
           </a:p>
         </p:txBody>
       </p:sp>
-      <p:sp>
-        <p:nvSpPr>
-          <p:cNvPr id="8" name="Rectangle 2"/>
-          <p:cNvSpPr>
-            <a:spLocks noChangeArrowheads="1"/>
-          </p:cNvSpPr>
+      <p:pic>
+        <p:nvPicPr>
+          <p:cNvPr id="3" name="Image 2"/>
+          <p:cNvPicPr>
+            <a:picLocks noChangeAspect="1"/>
+          </p:cNvPicPr>
           <p:nvPr/>
-        </p:nvSpPr>
-        <p:spPr bwMode="auto">
+        </p:nvPicPr>
+        <p:blipFill>
+          <a:blip r:embed="rId2">
+            <a:extLst>
+              <a:ext uri="{28A0092B-C50C-407E-A947-70E740481C1C}">
+                <a14:useLocalDpi xmlns:a14="http://schemas.microsoft.com/office/drawing/2010/main" val="0"/>
+              </a:ext>
+            </a:extLst>
+          </a:blip>
+          <a:stretch>
+            <a:fillRect/>
+          </a:stretch>
+        </p:blipFill>
+        <p:spPr>
           <a:xfrm>
-            <a:off x="350729" y="87714"/>
-            <a:ext cx="11536472" cy="830997"/>
+            <a:off x="53530" y="186353"/>
+            <a:ext cx="11935271" cy="4124390"/>
           </a:xfrm>
           <a:prstGeom prst="rect">
             <a:avLst/>
           </a:prstGeom>
-          <a:noFill/>
-          <a:ln>
-            <a:noFill/>
-          </a:ln>
-          <a:effectLst/>
-          <a:extLst>
-            <a:ext uri="{909E8E84-426E-40DD-AFC4-6F175D3DCCD1}">
-              <a14:hiddenFill xmlns:a14="http://schemas.microsoft.com/office/drawing/2010/main">
-                <a:solidFill>
-                  <a:schemeClr val="accent1"/>
-                </a:solidFill>
-              </a14:hiddenFill>
-            </a:ext>
-            <a:ext uri="{91240B29-F687-4F45-9708-019B960494DF}">
-              <a14:hiddenLine xmlns:a14="http://schemas.microsoft.com/office/drawing/2010/main" w="9525">
-                <a:solidFill>
-                  <a:schemeClr val="tx1"/>
-                </a:solidFill>
-                <a:miter lim="800000"/>
-                <a:headEnd/>
-                <a:tailEnd/>
-              </a14:hiddenLine>
-            </a:ext>
-            <a:ext uri="{AF507438-7753-43E0-B8FC-AC1667EBCBE1}">
-              <a14:hiddenEffects xmlns:a14="http://schemas.microsoft.com/office/drawing/2010/main">
-                <a:effectLst>
-                  <a:outerShdw dist="35921" dir="2700000" algn="ctr" rotWithShape="0">
-                    <a:schemeClr val="bg2"/>
-                  </a:outerShdw>
-                </a:effectLst>
-              </a14:hiddenEffects>
-            </a:ext>
-          </a:extLst>
         </p:spPr>
-        <p:txBody>
-          <a:bodyPr vert="horz" wrap="square" lIns="91440" tIns="45720" rIns="91440" bIns="45720" numCol="1" anchor="ctr" anchorCtr="0" compatLnSpc="1">
-            <a:prstTxWarp prst="textNoShape">
-              <a:avLst/>
-            </a:prstTxWarp>
-            <a:spAutoFit/>
-          </a:bodyPr>
-          <a:lstStyle/>
-          <a:p>
-            <a:pPr marL="0" marR="0" lvl="0" indent="0" algn="r" defTabSz="914400" rtl="1" eaLnBrk="0" fontAlgn="base" latinLnBrk="0" hangingPunct="0">
-              <a:lnSpc>
-                <a:spcPct val="100000"/>
-              </a:lnSpc>
-              <a:spcBef>
-                <a:spcPct val="0"/>
-              </a:spcBef>
-              <a:spcAft>
-                <a:spcPct val="0"/>
-              </a:spcAft>
-              <a:buClrTx/>
-              <a:buSzTx/>
-              <a:tabLst/>
-            </a:pPr>
-            <a:r>
-              <a:rPr lang="ar-DZ" sz="4800" b="1" u="sng" dirty="0" smtClean="0">
-                <a:solidFill>
-                  <a:srgbClr val="FF0000"/>
-                </a:solidFill>
-                <a:latin typeface="Times New Roman" panose="02020603050405020304" pitchFamily="18" charset="0"/>
-                <a:ea typeface="Calibri" panose="020F0502020204030204" pitchFamily="34" charset="0"/>
-                <a:cs typeface="Times New Roman" panose="02020603050405020304" pitchFamily="18" charset="0"/>
-              </a:rPr>
-              <a:t>التدريب</a:t>
-            </a:r>
-            <a:r>
-              <a:rPr kumimoji="0" lang="ar-DZ" sz="4800" b="1" i="0" u="sng" strike="noStrike" cap="none" normalizeH="0" baseline="0" dirty="0" smtClean="0">
-                <a:ln>
-                  <a:noFill/>
-                </a:ln>
-                <a:solidFill>
-                  <a:srgbClr val="FF0000"/>
-                </a:solidFill>
-                <a:effectLst/>
-                <a:latin typeface="Times New Roman" panose="02020603050405020304" pitchFamily="18" charset="0"/>
-                <a:ea typeface="Calibri" panose="020F0502020204030204" pitchFamily="34" charset="0"/>
-                <a:cs typeface="Times New Roman" panose="02020603050405020304" pitchFamily="18" charset="0"/>
-              </a:rPr>
-              <a:t> :</a:t>
-            </a:r>
-            <a:r>
-              <a:rPr kumimoji="0" lang="ar-DZ" sz="4800" b="1" i="0" strike="noStrike" cap="none" normalizeH="0" dirty="0" smtClean="0">
-                <a:ln>
-                  <a:noFill/>
-                </a:ln>
-                <a:solidFill>
-                  <a:srgbClr val="FF0000"/>
-                </a:solidFill>
-                <a:effectLst/>
-                <a:latin typeface="Times New Roman" panose="02020603050405020304" pitchFamily="18" charset="0"/>
-                <a:ea typeface="Calibri" panose="020F0502020204030204" pitchFamily="34" charset="0"/>
-                <a:cs typeface="Times New Roman" panose="02020603050405020304" pitchFamily="18" charset="0"/>
-              </a:rPr>
-              <a:t>   </a:t>
-            </a:r>
-            <a:endParaRPr kumimoji="0" lang="en-US" sz="4000" b="0" i="0" u="none" strike="noStrike" cap="none" normalizeH="0" baseline="0" dirty="0" smtClean="0">
-              <a:ln>
-                <a:noFill/>
-              </a:ln>
-              <a:solidFill>
-                <a:schemeClr val="tx1"/>
-              </a:solidFill>
-              <a:effectLst/>
-            </a:endParaRPr>
-          </a:p>
-        </p:txBody>
-      </p:sp>
-      <p:sp>
-        <p:nvSpPr>
-          <p:cNvPr id="2" name="ZoneTexte 1"/>
-          <p:cNvSpPr txBox="1"/>
-          <p:nvPr/>
-        </p:nvSpPr>
-        <p:spPr>
-          <a:xfrm>
-            <a:off x="188686" y="918711"/>
-            <a:ext cx="11698515" cy="4652236"/>
-          </a:xfrm>
-          <a:prstGeom prst="rect">
-            <a:avLst/>
-          </a:prstGeom>
-          <a:noFill/>
-        </p:spPr>
-        <p:txBody>
-          <a:bodyPr wrap="square" rtlCol="1">
-            <a:spAutoFit/>
-          </a:bodyPr>
-          <a:lstStyle/>
-          <a:p>
-            <a:pPr lvl="0" algn="r" rtl="1">
-              <a:lnSpc>
-                <a:spcPct val="107000"/>
-              </a:lnSpc>
-              <a:spcAft>
-                <a:spcPts val="800"/>
-              </a:spcAft>
-            </a:pPr>
-            <a:r>
-              <a:rPr lang="ar-DZ" sz="3600" dirty="0">
-                <a:latin typeface="Calibri" panose="020F0502020204030204" pitchFamily="34" charset="0"/>
-                <a:ea typeface="Calibri" panose="020F0502020204030204" pitchFamily="34" charset="0"/>
-                <a:cs typeface="+mj-cs"/>
-              </a:rPr>
-              <a:t>1.	افتح ملف </a:t>
-            </a:r>
-            <a:r>
-              <a:rPr lang="fr-FR" sz="3600" b="1" dirty="0" smtClean="0">
-                <a:latin typeface="Calibri" panose="020F0502020204030204" pitchFamily="34" charset="0"/>
-                <a:ea typeface="Calibri" panose="020F0502020204030204" pitchFamily="34" charset="0"/>
-                <a:cs typeface="+mj-cs"/>
-              </a:rPr>
-              <a:t>.</a:t>
-            </a:r>
-            <a:r>
-              <a:rPr lang="fr-FR" sz="3600" b="1" dirty="0" err="1" smtClean="0">
-                <a:latin typeface="Calibri" panose="020F0502020204030204" pitchFamily="34" charset="0"/>
-                <a:ea typeface="Calibri" panose="020F0502020204030204" pitchFamily="34" charset="0"/>
-                <a:cs typeface="+mj-cs"/>
-              </a:rPr>
-              <a:t>pptx</a:t>
-            </a:r>
-            <a:r>
-              <a:rPr lang="ar-DZ" sz="3600" b="1" dirty="0">
-                <a:latin typeface="Calibri" panose="020F0502020204030204" pitchFamily="34" charset="0"/>
-                <a:ea typeface="Calibri" panose="020F0502020204030204" pitchFamily="34" charset="0"/>
-                <a:cs typeface="+mj-cs"/>
-              </a:rPr>
-              <a:t>حيوانات الغابة </a:t>
-            </a:r>
-            <a:r>
-              <a:rPr lang="ar-DZ" sz="3600" dirty="0">
-                <a:latin typeface="Calibri" panose="020F0502020204030204" pitchFamily="34" charset="0"/>
-                <a:ea typeface="Calibri" panose="020F0502020204030204" pitchFamily="34" charset="0"/>
-                <a:cs typeface="+mj-cs"/>
-              </a:rPr>
-              <a:t>المتواجد على سطح المكتب</a:t>
-            </a:r>
-          </a:p>
-          <a:p>
-            <a:pPr lvl="0" algn="r" rtl="1">
-              <a:lnSpc>
-                <a:spcPct val="107000"/>
-              </a:lnSpc>
-              <a:spcAft>
-                <a:spcPts val="800"/>
-              </a:spcAft>
-            </a:pPr>
-            <a:r>
-              <a:rPr lang="ar-DZ" sz="3600" dirty="0">
-                <a:latin typeface="Calibri" panose="020F0502020204030204" pitchFamily="34" charset="0"/>
-                <a:ea typeface="Calibri" panose="020F0502020204030204" pitchFamily="34" charset="0"/>
-                <a:cs typeface="+mj-cs"/>
-              </a:rPr>
-              <a:t>2.	قم بإضافة تأثيرات </a:t>
-            </a:r>
-            <a:r>
-              <a:rPr lang="ar-DZ" sz="3600" dirty="0" err="1">
-                <a:latin typeface="Calibri" panose="020F0502020204030204" pitchFamily="34" charset="0"/>
-                <a:ea typeface="Calibri" panose="020F0502020204030204" pitchFamily="34" charset="0"/>
-                <a:cs typeface="+mj-cs"/>
-              </a:rPr>
-              <a:t>الإنتقال</a:t>
-            </a:r>
-            <a:r>
-              <a:rPr lang="ar-DZ" sz="3600" dirty="0">
-                <a:latin typeface="Calibri" panose="020F0502020204030204" pitchFamily="34" charset="0"/>
-                <a:ea typeface="Calibri" panose="020F0502020204030204" pitchFamily="34" charset="0"/>
-                <a:cs typeface="+mj-cs"/>
-              </a:rPr>
-              <a:t> من شريحة لأخرى من اختيارك لجميع الشرائح</a:t>
-            </a:r>
-          </a:p>
-          <a:p>
-            <a:pPr lvl="0" algn="r" rtl="1">
-              <a:lnSpc>
-                <a:spcPct val="107000"/>
-              </a:lnSpc>
-              <a:spcAft>
-                <a:spcPts val="800"/>
-              </a:spcAft>
-            </a:pPr>
-            <a:r>
-              <a:rPr lang="ar-DZ" sz="3600" dirty="0">
-                <a:latin typeface="Calibri" panose="020F0502020204030204" pitchFamily="34" charset="0"/>
-                <a:ea typeface="Calibri" panose="020F0502020204030204" pitchFamily="34" charset="0"/>
-                <a:cs typeface="+mj-cs"/>
-              </a:rPr>
-              <a:t>3.	قم بعملية الحفظ من نوع </a:t>
-            </a:r>
-            <a:r>
-              <a:rPr lang="fr-FR" sz="3600" dirty="0">
-                <a:latin typeface="Calibri" panose="020F0502020204030204" pitchFamily="34" charset="0"/>
-                <a:ea typeface="Calibri" panose="020F0502020204030204" pitchFamily="34" charset="0"/>
-                <a:cs typeface="+mj-cs"/>
-              </a:rPr>
-              <a:t>Diaporama </a:t>
-            </a:r>
-            <a:r>
-              <a:rPr lang="fr-FR" sz="3600" dirty="0" smtClean="0">
-                <a:latin typeface="Calibri" panose="020F0502020204030204" pitchFamily="34" charset="0"/>
-                <a:ea typeface="Calibri" panose="020F0502020204030204" pitchFamily="34" charset="0"/>
-                <a:cs typeface="+mj-cs"/>
-              </a:rPr>
-              <a:t>PowerPoint </a:t>
-            </a:r>
-            <a:r>
-              <a:rPr lang="ar-DZ" sz="3600" dirty="0" smtClean="0">
-                <a:latin typeface="Calibri" panose="020F0502020204030204" pitchFamily="34" charset="0"/>
-                <a:ea typeface="Calibri" panose="020F0502020204030204" pitchFamily="34" charset="0"/>
-                <a:cs typeface="+mj-cs"/>
-              </a:rPr>
-              <a:t> تحت </a:t>
-            </a:r>
-            <a:r>
-              <a:rPr lang="ar-DZ" sz="3600" dirty="0">
-                <a:latin typeface="Calibri" panose="020F0502020204030204" pitchFamily="34" charset="0"/>
-                <a:ea typeface="Calibri" panose="020F0502020204030204" pitchFamily="34" charset="0"/>
-                <a:cs typeface="+mj-cs"/>
-              </a:rPr>
-              <a:t>أسمك ثم أعد فتح </a:t>
-            </a:r>
-            <a:r>
-              <a:rPr lang="ar-DZ" sz="3600" dirty="0" smtClean="0">
-                <a:latin typeface="Calibri" panose="020F0502020204030204" pitchFamily="34" charset="0"/>
-                <a:ea typeface="Calibri" panose="020F0502020204030204" pitchFamily="34" charset="0"/>
-                <a:cs typeface="+mj-cs"/>
-              </a:rPr>
-              <a:t>الملف ؟ </a:t>
-            </a:r>
-            <a:endParaRPr lang="ar-DZ" sz="3600" dirty="0">
-              <a:latin typeface="Calibri" panose="020F0502020204030204" pitchFamily="34" charset="0"/>
-              <a:ea typeface="Calibri" panose="020F0502020204030204" pitchFamily="34" charset="0"/>
-              <a:cs typeface="+mj-cs"/>
-            </a:endParaRPr>
-          </a:p>
-          <a:p>
-            <a:pPr lvl="0" algn="r" rtl="1">
-              <a:lnSpc>
-                <a:spcPct val="107000"/>
-              </a:lnSpc>
-              <a:spcAft>
-                <a:spcPts val="800"/>
-              </a:spcAft>
-            </a:pPr>
-            <a:r>
-              <a:rPr lang="ar-DZ" sz="3600" dirty="0">
-                <a:latin typeface="Calibri" panose="020F0502020204030204" pitchFamily="34" charset="0"/>
-                <a:ea typeface="Calibri" panose="020F0502020204030204" pitchFamily="34" charset="0"/>
-                <a:cs typeface="+mj-cs"/>
-              </a:rPr>
-              <a:t>4.	ماذا تلاحظ ؟</a:t>
-            </a:r>
-          </a:p>
-          <a:p>
-            <a:pPr lvl="0" algn="r" rtl="1">
-              <a:lnSpc>
-                <a:spcPct val="107000"/>
-              </a:lnSpc>
-              <a:spcAft>
-                <a:spcPts val="800"/>
-              </a:spcAft>
-            </a:pPr>
-            <a:r>
-              <a:rPr lang="ar-DZ" sz="3600" dirty="0">
-                <a:latin typeface="Calibri" panose="020F0502020204030204" pitchFamily="34" charset="0"/>
-                <a:ea typeface="Calibri" panose="020F0502020204030204" pitchFamily="34" charset="0"/>
-                <a:cs typeface="+mj-cs"/>
-              </a:rPr>
-              <a:t>5.	ما دور </a:t>
-            </a:r>
-            <a:r>
-              <a:rPr lang="ar-DZ" sz="3600" dirty="0" smtClean="0">
-                <a:latin typeface="Calibri" panose="020F0502020204030204" pitchFamily="34" charset="0"/>
-                <a:ea typeface="Calibri" panose="020F0502020204030204" pitchFamily="34" charset="0"/>
-                <a:cs typeface="+mj-cs"/>
-              </a:rPr>
-              <a:t>التعليمة</a:t>
-            </a:r>
-            <a:r>
-              <a:rPr lang="fr-FR" sz="3600" dirty="0" smtClean="0">
-                <a:latin typeface="Calibri" panose="020F0502020204030204" pitchFamily="34" charset="0"/>
-                <a:ea typeface="Calibri" panose="020F0502020204030204" pitchFamily="34" charset="0"/>
-                <a:cs typeface="+mj-cs"/>
-              </a:rPr>
-              <a:t>Appliquer </a:t>
-            </a:r>
-            <a:r>
-              <a:rPr lang="fr-FR" sz="3600" dirty="0">
-                <a:latin typeface="Calibri" panose="020F0502020204030204" pitchFamily="34" charset="0"/>
-                <a:ea typeface="Calibri" panose="020F0502020204030204" pitchFamily="34" charset="0"/>
-                <a:cs typeface="+mj-cs"/>
-              </a:rPr>
-              <a:t>partout </a:t>
-            </a:r>
-            <a:r>
-              <a:rPr lang="ar-DZ" sz="3600" dirty="0" smtClean="0">
-                <a:latin typeface="Calibri" panose="020F0502020204030204" pitchFamily="34" charset="0"/>
-                <a:ea typeface="Calibri" panose="020F0502020204030204" pitchFamily="34" charset="0"/>
-                <a:cs typeface="+mj-cs"/>
-              </a:rPr>
-              <a:t> الموجودة </a:t>
-            </a:r>
-            <a:r>
-              <a:rPr lang="ar-DZ" sz="3600" dirty="0">
-                <a:latin typeface="Calibri" panose="020F0502020204030204" pitchFamily="34" charset="0"/>
-                <a:ea typeface="Calibri" panose="020F0502020204030204" pitchFamily="34" charset="0"/>
-                <a:cs typeface="+mj-cs"/>
-              </a:rPr>
-              <a:t>في المجموعة </a:t>
-            </a:r>
-            <a:r>
-              <a:rPr lang="fr-FR" sz="3600" dirty="0">
-                <a:latin typeface="Calibri" panose="020F0502020204030204" pitchFamily="34" charset="0"/>
-                <a:ea typeface="Calibri" panose="020F0502020204030204" pitchFamily="34" charset="0"/>
-                <a:cs typeface="+mj-cs"/>
-              </a:rPr>
-              <a:t>Minutage </a:t>
-            </a:r>
-            <a:r>
-              <a:rPr lang="ar-DZ" sz="3600" dirty="0" smtClean="0">
-                <a:latin typeface="Calibri" panose="020F0502020204030204" pitchFamily="34" charset="0"/>
-                <a:ea typeface="Calibri" panose="020F0502020204030204" pitchFamily="34" charset="0"/>
-                <a:cs typeface="+mj-cs"/>
-              </a:rPr>
-              <a:t> </a:t>
-            </a:r>
-            <a:r>
-              <a:rPr lang="fr-FR" sz="3600" dirty="0" smtClean="0">
-                <a:latin typeface="Calibri" panose="020F0502020204030204" pitchFamily="34" charset="0"/>
-                <a:ea typeface="Calibri" panose="020F0502020204030204" pitchFamily="34" charset="0"/>
-                <a:cs typeface="+mj-cs"/>
-              </a:rPr>
-              <a:t>؟</a:t>
-            </a:r>
-            <a:endParaRPr lang="fr-FR" sz="3600" dirty="0">
-              <a:latin typeface="Calibri" panose="020F0502020204030204" pitchFamily="34" charset="0"/>
-              <a:ea typeface="Calibri" panose="020F0502020204030204" pitchFamily="34" charset="0"/>
-              <a:cs typeface="+mj-cs"/>
-            </a:endParaRPr>
-          </a:p>
-        </p:txBody>
-      </p:sp>
+      </p:pic>
     </p:spTree>
     <p:extLst>
       <p:ext uri="{BB962C8B-B14F-4D97-AF65-F5344CB8AC3E}">
